--- a/RCNN, Fast-RCNN, Faster-RCNN FIGURE.pptx
+++ b/RCNN, Fast-RCNN, Faster-RCNN FIGURE.pptx
@@ -262,7 +262,7 @@
           <a:p>
             <a:fld id="{0B1A961C-DF84-48CB-9BE5-652FD1F9B5E4}" type="datetimeFigureOut">
               <a:rPr lang="en-US" smtClean="0"/>
-              <a:t>5/21/2019</a:t>
+              <a:t>5/25/2019</a:t>
             </a:fld>
             <a:endParaRPr lang="en-US"/>
           </a:p>
@@ -460,7 +460,7 @@
           <a:p>
             <a:fld id="{0B1A961C-DF84-48CB-9BE5-652FD1F9B5E4}" type="datetimeFigureOut">
               <a:rPr lang="en-US" smtClean="0"/>
-              <a:t>5/21/2019</a:t>
+              <a:t>5/25/2019</a:t>
             </a:fld>
             <a:endParaRPr lang="en-US"/>
           </a:p>
@@ -668,7 +668,7 @@
           <a:p>
             <a:fld id="{0B1A961C-DF84-48CB-9BE5-652FD1F9B5E4}" type="datetimeFigureOut">
               <a:rPr lang="en-US" smtClean="0"/>
-              <a:t>5/21/2019</a:t>
+              <a:t>5/25/2019</a:t>
             </a:fld>
             <a:endParaRPr lang="en-US"/>
           </a:p>
@@ -866,7 +866,7 @@
           <a:p>
             <a:fld id="{0B1A961C-DF84-48CB-9BE5-652FD1F9B5E4}" type="datetimeFigureOut">
               <a:rPr lang="en-US" smtClean="0"/>
-              <a:t>5/21/2019</a:t>
+              <a:t>5/25/2019</a:t>
             </a:fld>
             <a:endParaRPr lang="en-US"/>
           </a:p>
@@ -1141,7 +1141,7 @@
           <a:p>
             <a:fld id="{0B1A961C-DF84-48CB-9BE5-652FD1F9B5E4}" type="datetimeFigureOut">
               <a:rPr lang="en-US" smtClean="0"/>
-              <a:t>5/21/2019</a:t>
+              <a:t>5/25/2019</a:t>
             </a:fld>
             <a:endParaRPr lang="en-US"/>
           </a:p>
@@ -1406,7 +1406,7 @@
           <a:p>
             <a:fld id="{0B1A961C-DF84-48CB-9BE5-652FD1F9B5E4}" type="datetimeFigureOut">
               <a:rPr lang="en-US" smtClean="0"/>
-              <a:t>5/21/2019</a:t>
+              <a:t>5/25/2019</a:t>
             </a:fld>
             <a:endParaRPr lang="en-US"/>
           </a:p>
@@ -1818,7 +1818,7 @@
           <a:p>
             <a:fld id="{0B1A961C-DF84-48CB-9BE5-652FD1F9B5E4}" type="datetimeFigureOut">
               <a:rPr lang="en-US" smtClean="0"/>
-              <a:t>5/21/2019</a:t>
+              <a:t>5/25/2019</a:t>
             </a:fld>
             <a:endParaRPr lang="en-US"/>
           </a:p>
@@ -1959,7 +1959,7 @@
           <a:p>
             <a:fld id="{0B1A961C-DF84-48CB-9BE5-652FD1F9B5E4}" type="datetimeFigureOut">
               <a:rPr lang="en-US" smtClean="0"/>
-              <a:t>5/21/2019</a:t>
+              <a:t>5/25/2019</a:t>
             </a:fld>
             <a:endParaRPr lang="en-US"/>
           </a:p>
@@ -2072,7 +2072,7 @@
           <a:p>
             <a:fld id="{0B1A961C-DF84-48CB-9BE5-652FD1F9B5E4}" type="datetimeFigureOut">
               <a:rPr lang="en-US" smtClean="0"/>
-              <a:t>5/21/2019</a:t>
+              <a:t>5/25/2019</a:t>
             </a:fld>
             <a:endParaRPr lang="en-US"/>
           </a:p>
@@ -2383,7 +2383,7 @@
           <a:p>
             <a:fld id="{0B1A961C-DF84-48CB-9BE5-652FD1F9B5E4}" type="datetimeFigureOut">
               <a:rPr lang="en-US" smtClean="0"/>
-              <a:t>5/21/2019</a:t>
+              <a:t>5/25/2019</a:t>
             </a:fld>
             <a:endParaRPr lang="en-US"/>
           </a:p>
@@ -2671,7 +2671,7 @@
           <a:p>
             <a:fld id="{0B1A961C-DF84-48CB-9BE5-652FD1F9B5E4}" type="datetimeFigureOut">
               <a:rPr lang="en-US" smtClean="0"/>
-              <a:t>5/21/2019</a:t>
+              <a:t>5/25/2019</a:t>
             </a:fld>
             <a:endParaRPr lang="en-US"/>
           </a:p>
@@ -2912,7 +2912,7 @@
           <a:p>
             <a:fld id="{0B1A961C-DF84-48CB-9BE5-652FD1F9B5E4}" type="datetimeFigureOut">
               <a:rPr lang="en-US" smtClean="0"/>
-              <a:t>5/21/2019</a:t>
+              <a:t>5/25/2019</a:t>
             </a:fld>
             <a:endParaRPr lang="en-US"/>
           </a:p>
@@ -5003,7 +5003,7 @@
                   </a:outerShdw>
                 </a:effectLst>
               </a:rPr>
-              <a:t>Warped</a:t>
+              <a:t>Resized</a:t>
             </a:r>
             <a:r>
               <a:rPr lang="en-US" sz="2000" dirty="0">
@@ -6824,7 +6824,7 @@
         </p:blipFill>
         <p:spPr>
           <a:xfrm>
-            <a:off x="3583603" y="-111412"/>
+            <a:off x="3583603" y="117188"/>
             <a:ext cx="3906671" cy="2197503"/>
           </a:xfrm>
           <a:prstGeom prst="rect">
@@ -6993,7 +6993,7 @@
         </p:nvSpPr>
         <p:spPr>
           <a:xfrm>
-            <a:off x="5712022" y="-27647"/>
+            <a:off x="5712022" y="200953"/>
             <a:ext cx="298580" cy="620782"/>
           </a:xfrm>
           <a:prstGeom prst="upArrow">
@@ -7087,7 +7087,7 @@
         </p:nvSpPr>
         <p:spPr>
           <a:xfrm>
-            <a:off x="4360415" y="1675266"/>
+            <a:off x="7082448" y="769955"/>
             <a:ext cx="1381533" cy="400110"/>
           </a:xfrm>
           <a:prstGeom prst="rect">
@@ -7278,7 +7278,7 @@
         </p:nvSpPr>
         <p:spPr>
           <a:xfrm>
-            <a:off x="4605326" y="-362933"/>
+            <a:off x="4605326" y="-134333"/>
             <a:ext cx="2531783" cy="400110"/>
           </a:xfrm>
           <a:prstGeom prst="rect">
@@ -7597,7 +7597,7 @@
         </p:nvSpPr>
         <p:spPr>
           <a:xfrm rot="19041164">
-            <a:off x="5306018" y="-752999"/>
+            <a:off x="5306018" y="-524399"/>
             <a:ext cx="298580" cy="374661"/>
           </a:xfrm>
           <a:prstGeom prst="upArrow">
@@ -7643,7 +7643,7 @@
         </p:nvSpPr>
         <p:spPr>
           <a:xfrm>
-            <a:off x="6024006" y="-790606"/>
+            <a:off x="6024006" y="-562006"/>
             <a:ext cx="298580" cy="351325"/>
           </a:xfrm>
           <a:prstGeom prst="upArrow">
@@ -7689,7 +7689,7 @@
         </p:nvSpPr>
         <p:spPr>
           <a:xfrm>
-            <a:off x="4360415" y="-1348860"/>
+            <a:off x="4360415" y="-1120260"/>
             <a:ext cx="1164428" cy="523220"/>
           </a:xfrm>
           <a:prstGeom prst="rect">
@@ -7750,7 +7750,7 @@
         </p:nvSpPr>
         <p:spPr>
           <a:xfrm>
-            <a:off x="5572638" y="-1779357"/>
+            <a:off x="5572638" y="-1550757"/>
             <a:ext cx="989459" cy="954107"/>
           </a:xfrm>
           <a:prstGeom prst="rect">

--- a/RCNN, Fast-RCNN, Faster-RCNN FIGURE.pptx
+++ b/RCNN, Fast-RCNN, Faster-RCNN FIGURE.pptx
@@ -9,6 +9,7 @@
     <p:sldId id="257" r:id="rId3"/>
     <p:sldId id="259" r:id="rId4"/>
     <p:sldId id="256" r:id="rId5"/>
+    <p:sldId id="260" r:id="rId6"/>
   </p:sldIdLst>
   <p:sldSz cx="12192000" cy="6858000"/>
   <p:notesSz cx="6858000" cy="9144000"/>
@@ -262,7 +263,7 @@
           <a:p>
             <a:fld id="{0B1A961C-DF84-48CB-9BE5-652FD1F9B5E4}" type="datetimeFigureOut">
               <a:rPr lang="en-US" smtClean="0"/>
-              <a:t>5/25/2019</a:t>
+              <a:t>5/31/2019</a:t>
             </a:fld>
             <a:endParaRPr lang="en-US"/>
           </a:p>
@@ -460,7 +461,7 @@
           <a:p>
             <a:fld id="{0B1A961C-DF84-48CB-9BE5-652FD1F9B5E4}" type="datetimeFigureOut">
               <a:rPr lang="en-US" smtClean="0"/>
-              <a:t>5/25/2019</a:t>
+              <a:t>5/31/2019</a:t>
             </a:fld>
             <a:endParaRPr lang="en-US"/>
           </a:p>
@@ -668,7 +669,7 @@
           <a:p>
             <a:fld id="{0B1A961C-DF84-48CB-9BE5-652FD1F9B5E4}" type="datetimeFigureOut">
               <a:rPr lang="en-US" smtClean="0"/>
-              <a:t>5/25/2019</a:t>
+              <a:t>5/31/2019</a:t>
             </a:fld>
             <a:endParaRPr lang="en-US"/>
           </a:p>
@@ -866,7 +867,7 @@
           <a:p>
             <a:fld id="{0B1A961C-DF84-48CB-9BE5-652FD1F9B5E4}" type="datetimeFigureOut">
               <a:rPr lang="en-US" smtClean="0"/>
-              <a:t>5/25/2019</a:t>
+              <a:t>5/31/2019</a:t>
             </a:fld>
             <a:endParaRPr lang="en-US"/>
           </a:p>
@@ -1141,7 +1142,7 @@
           <a:p>
             <a:fld id="{0B1A961C-DF84-48CB-9BE5-652FD1F9B5E4}" type="datetimeFigureOut">
               <a:rPr lang="en-US" smtClean="0"/>
-              <a:t>5/25/2019</a:t>
+              <a:t>5/31/2019</a:t>
             </a:fld>
             <a:endParaRPr lang="en-US"/>
           </a:p>
@@ -1406,7 +1407,7 @@
           <a:p>
             <a:fld id="{0B1A961C-DF84-48CB-9BE5-652FD1F9B5E4}" type="datetimeFigureOut">
               <a:rPr lang="en-US" smtClean="0"/>
-              <a:t>5/25/2019</a:t>
+              <a:t>5/31/2019</a:t>
             </a:fld>
             <a:endParaRPr lang="en-US"/>
           </a:p>
@@ -1818,7 +1819,7 @@
           <a:p>
             <a:fld id="{0B1A961C-DF84-48CB-9BE5-652FD1F9B5E4}" type="datetimeFigureOut">
               <a:rPr lang="en-US" smtClean="0"/>
-              <a:t>5/25/2019</a:t>
+              <a:t>5/31/2019</a:t>
             </a:fld>
             <a:endParaRPr lang="en-US"/>
           </a:p>
@@ -1959,7 +1960,7 @@
           <a:p>
             <a:fld id="{0B1A961C-DF84-48CB-9BE5-652FD1F9B5E4}" type="datetimeFigureOut">
               <a:rPr lang="en-US" smtClean="0"/>
-              <a:t>5/25/2019</a:t>
+              <a:t>5/31/2019</a:t>
             </a:fld>
             <a:endParaRPr lang="en-US"/>
           </a:p>
@@ -2072,7 +2073,7 @@
           <a:p>
             <a:fld id="{0B1A961C-DF84-48CB-9BE5-652FD1F9B5E4}" type="datetimeFigureOut">
               <a:rPr lang="en-US" smtClean="0"/>
-              <a:t>5/25/2019</a:t>
+              <a:t>5/31/2019</a:t>
             </a:fld>
             <a:endParaRPr lang="en-US"/>
           </a:p>
@@ -2383,7 +2384,7 @@
           <a:p>
             <a:fld id="{0B1A961C-DF84-48CB-9BE5-652FD1F9B5E4}" type="datetimeFigureOut">
               <a:rPr lang="en-US" smtClean="0"/>
-              <a:t>5/25/2019</a:t>
+              <a:t>5/31/2019</a:t>
             </a:fld>
             <a:endParaRPr lang="en-US"/>
           </a:p>
@@ -2671,7 +2672,7 @@
           <a:p>
             <a:fld id="{0B1A961C-DF84-48CB-9BE5-652FD1F9B5E4}" type="datetimeFigureOut">
               <a:rPr lang="en-US" smtClean="0"/>
-              <a:t>5/25/2019</a:t>
+              <a:t>5/31/2019</a:t>
             </a:fld>
             <a:endParaRPr lang="en-US"/>
           </a:p>
@@ -2912,7 +2913,7 @@
           <a:p>
             <a:fld id="{0B1A961C-DF84-48CB-9BE5-652FD1F9B5E4}" type="datetimeFigureOut">
               <a:rPr lang="en-US" smtClean="0"/>
-              <a:t>5/25/2019</a:t>
+              <a:t>5/31/2019</a:t>
             </a:fld>
             <a:endParaRPr lang="en-US"/>
           </a:p>
@@ -3482,8 +3483,8 @@
           <p:nvPr/>
         </p:nvSpPr>
         <p:spPr>
-          <a:xfrm>
-            <a:off x="4211059" y="4588662"/>
+          <a:xfrm rot="18846859">
+            <a:off x="3511144" y="4783427"/>
             <a:ext cx="298580" cy="1056105"/>
           </a:xfrm>
           <a:prstGeom prst="upArrow">
@@ -3528,8 +3529,8 @@
           <p:nvPr/>
         </p:nvSpPr>
         <p:spPr>
-          <a:xfrm>
-            <a:off x="5453676" y="4023360"/>
+          <a:xfrm rot="1731538">
+            <a:off x="5611429" y="3954695"/>
             <a:ext cx="298580" cy="1255330"/>
           </a:xfrm>
           <a:prstGeom prst="upArrow">
@@ -3621,7 +3622,7 @@
         </p:nvSpPr>
         <p:spPr>
           <a:xfrm>
-            <a:off x="3699308" y="4062118"/>
+            <a:off x="2602415" y="4401470"/>
             <a:ext cx="1402589" cy="621642"/>
           </a:xfrm>
           <a:prstGeom prst="rect">
@@ -3745,19 +3746,22 @@
         </p:nvSpPr>
         <p:spPr>
           <a:xfrm>
-            <a:off x="3738611" y="2562180"/>
+            <a:off x="2759288" y="2918231"/>
             <a:ext cx="1348674" cy="1414918"/>
           </a:xfrm>
           <a:prstGeom prst="cube">
             <a:avLst/>
           </a:prstGeom>
           <a:solidFill>
-            <a:schemeClr val="accent6">
-              <a:alpha val="90000"/>
+            <a:schemeClr val="bg1">
+              <a:lumMod val="95000"/>
+              <a:alpha val="50000"/>
             </a:schemeClr>
           </a:solidFill>
-          <a:ln>
-            <a:noFill/>
+          <a:ln w="28575">
+            <a:solidFill>
+              <a:schemeClr val="accent1"/>
+            </a:solidFill>
           </a:ln>
         </p:spPr>
         <p:style>
@@ -3780,19 +3784,27 @@
           <a:p>
             <a:pPr algn="ctr"/>
             <a:r>
-              <a:rPr lang="da-DK" dirty="0"/>
+              <a:rPr lang="da-DK" sz="3200" dirty="0">
+                <a:solidFill>
+                  <a:schemeClr val="tx1"/>
+                </a:solidFill>
+              </a:rPr>
               <a:t>CNN</a:t>
             </a:r>
-            <a:endParaRPr lang="en-US" dirty="0"/>
-          </a:p>
-        </p:txBody>
-      </p:sp>
-      <p:sp>
-        <p:nvSpPr>
-          <p:cNvPr id="19" name="Cube 18">
-            <a:extLst>
-              <a:ext uri="{FF2B5EF4-FFF2-40B4-BE49-F238E27FC236}">
-                <a16:creationId xmlns:a16="http://schemas.microsoft.com/office/drawing/2014/main" id="{63BC1773-2BC7-445F-A3A7-54A7CDCD1566}"/>
+            <a:endParaRPr lang="en-US" sz="3200" dirty="0">
+              <a:solidFill>
+                <a:schemeClr val="tx1"/>
+              </a:solidFill>
+            </a:endParaRPr>
+          </a:p>
+        </p:txBody>
+      </p:sp>
+      <p:sp>
+        <p:nvSpPr>
+          <p:cNvPr id="21" name="Arrow: Up 20">
+            <a:extLst>
+              <a:ext uri="{FF2B5EF4-FFF2-40B4-BE49-F238E27FC236}">
+                <a16:creationId xmlns:a16="http://schemas.microsoft.com/office/drawing/2014/main" id="{7F32F5BF-3795-42AA-AB35-90F1991B9781}"/>
               </a:ext>
             </a:extLst>
           </p:cNvPr>
@@ -3801,119 +3813,7 @@
         </p:nvSpPr>
         <p:spPr>
           <a:xfrm>
-            <a:off x="5214458" y="1008058"/>
-            <a:ext cx="1148242" cy="1414918"/>
-          </a:xfrm>
-          <a:prstGeom prst="cube">
-            <a:avLst/>
-          </a:prstGeom>
-          <a:solidFill>
-            <a:schemeClr val="accent6">
-              <a:alpha val="90000"/>
-            </a:schemeClr>
-          </a:solidFill>
-          <a:ln>
-            <a:noFill/>
-          </a:ln>
-        </p:spPr>
-        <p:style>
-          <a:lnRef idx="0">
-            <a:scrgbClr r="0" g="0" b="0"/>
-          </a:lnRef>
-          <a:fillRef idx="0">
-            <a:scrgbClr r="0" g="0" b="0"/>
-          </a:fillRef>
-          <a:effectRef idx="0">
-            <a:scrgbClr r="0" g="0" b="0"/>
-          </a:effectRef>
-          <a:fontRef idx="minor">
-            <a:schemeClr val="lt1"/>
-          </a:fontRef>
-        </p:style>
-        <p:txBody>
-          <a:bodyPr rtlCol="0" anchor="ctr"/>
-          <a:lstStyle/>
-          <a:p>
-            <a:pPr algn="ctr"/>
-            <a:r>
-              <a:rPr lang="da-DK" dirty="0"/>
-              <a:t>CNN</a:t>
-            </a:r>
-            <a:endParaRPr lang="en-US" dirty="0"/>
-          </a:p>
-        </p:txBody>
-      </p:sp>
-      <p:sp>
-        <p:nvSpPr>
-          <p:cNvPr id="20" name="Cube 19">
-            <a:extLst>
-              <a:ext uri="{FF2B5EF4-FFF2-40B4-BE49-F238E27FC236}">
-                <a16:creationId xmlns:a16="http://schemas.microsoft.com/office/drawing/2014/main" id="{1E4C35E2-05EF-4853-AEEC-DDA41D1C5058}"/>
-              </a:ext>
-            </a:extLst>
-          </p:cNvPr>
-          <p:cNvSpPr/>
-          <p:nvPr/>
-        </p:nvSpPr>
-        <p:spPr>
-          <a:xfrm>
-            <a:off x="8499621" y="1018588"/>
-            <a:ext cx="1148242" cy="1414918"/>
-          </a:xfrm>
-          <a:prstGeom prst="cube">
-            <a:avLst/>
-          </a:prstGeom>
-          <a:solidFill>
-            <a:schemeClr val="accent6">
-              <a:alpha val="90000"/>
-            </a:schemeClr>
-          </a:solidFill>
-          <a:ln>
-            <a:noFill/>
-          </a:ln>
-        </p:spPr>
-        <p:style>
-          <a:lnRef idx="0">
-            <a:scrgbClr r="0" g="0" b="0"/>
-          </a:lnRef>
-          <a:fillRef idx="0">
-            <a:scrgbClr r="0" g="0" b="0"/>
-          </a:fillRef>
-          <a:effectRef idx="0">
-            <a:scrgbClr r="0" g="0" b="0"/>
-          </a:effectRef>
-          <a:fontRef idx="minor">
-            <a:schemeClr val="lt1"/>
-          </a:fontRef>
-        </p:style>
-        <p:txBody>
-          <a:bodyPr rtlCol="0" anchor="ctr"/>
-          <a:lstStyle/>
-          <a:p>
-            <a:pPr algn="ctr"/>
-            <a:r>
-              <a:rPr lang="da-DK" dirty="0"/>
-              <a:t>CNN</a:t>
-            </a:r>
-            <a:endParaRPr lang="en-US" dirty="0"/>
-          </a:p>
-        </p:txBody>
-      </p:sp>
-      <p:sp>
-        <p:nvSpPr>
-          <p:cNvPr id="21" name="Arrow: Up 20">
-            <a:extLst>
-              <a:ext uri="{FF2B5EF4-FFF2-40B4-BE49-F238E27FC236}">
-                <a16:creationId xmlns:a16="http://schemas.microsoft.com/office/drawing/2014/main" id="{7F32F5BF-3795-42AA-AB35-90F1991B9781}"/>
-              </a:ext>
-            </a:extLst>
-          </p:cNvPr>
-          <p:cNvSpPr/>
-          <p:nvPr/>
-        </p:nvSpPr>
-        <p:spPr>
-          <a:xfrm>
-            <a:off x="4232971" y="4021614"/>
+            <a:off x="3135045" y="4360531"/>
             <a:ext cx="298580" cy="351325"/>
           </a:xfrm>
           <a:prstGeom prst="upArrow">
@@ -3993,10 +3893,10 @@
       </p:sp>
       <p:sp>
         <p:nvSpPr>
-          <p:cNvPr id="24" name="Arrow: Up 23">
-            <a:extLst>
-              <a:ext uri="{FF2B5EF4-FFF2-40B4-BE49-F238E27FC236}">
-                <a16:creationId xmlns:a16="http://schemas.microsoft.com/office/drawing/2014/main" id="{533AD78E-4853-41AA-85AC-ADB65F8E719B}"/>
+          <p:cNvPr id="28" name="Rectangle 27">
+            <a:extLst>
+              <a:ext uri="{FF2B5EF4-FFF2-40B4-BE49-F238E27FC236}">
+                <a16:creationId xmlns:a16="http://schemas.microsoft.com/office/drawing/2014/main" id="{03C620A9-F017-40AC-BD85-D6BDD4169187}"/>
               </a:ext>
             </a:extLst>
           </p:cNvPr>
@@ -4004,13 +3904,29 @@
           <p:nvPr/>
         </p:nvSpPr>
         <p:spPr>
-          <a:xfrm rot="19041164">
-            <a:off x="3831205" y="2381615"/>
-            <a:ext cx="298580" cy="374661"/>
-          </a:xfrm>
-          <a:prstGeom prst="upArrow">
-            <a:avLst/>
-          </a:prstGeom>
+          <a:xfrm>
+            <a:off x="5394705" y="3590154"/>
+            <a:ext cx="1402589" cy="621642"/>
+          </a:xfrm>
+          <a:prstGeom prst="rect">
+            <a:avLst/>
+          </a:prstGeom>
+          <a:solidFill>
+            <a:srgbClr val="00FF00">
+              <a:alpha val="50000"/>
+            </a:srgbClr>
+          </a:solidFill>
+          <a:ln>
+            <a:solidFill>
+              <a:srgbClr val="007D00"/>
+            </a:solidFill>
+          </a:ln>
+          <a:scene3d>
+            <a:camera prst="orthographicFront">
+              <a:rot lat="1566000" lon="17652000" rev="18942000"/>
+            </a:camera>
+            <a:lightRig rig="threePt" dir="t"/>
+          </a:scene3d>
         </p:spPr>
         <p:style>
           <a:lnRef idx="2">
@@ -4033,16 +3949,16 @@
           <a:lstStyle/>
           <a:p>
             <a:pPr algn="ctr"/>
-            <a:endParaRPr lang="en-US" dirty="0"/>
-          </a:p>
-        </p:txBody>
-      </p:sp>
-      <p:sp>
-        <p:nvSpPr>
-          <p:cNvPr id="25" name="Arrow: Up 24">
-            <a:extLst>
-              <a:ext uri="{FF2B5EF4-FFF2-40B4-BE49-F238E27FC236}">
-                <a16:creationId xmlns:a16="http://schemas.microsoft.com/office/drawing/2014/main" id="{CE76762A-D0FE-40B7-A0AF-48260C28DD6E}"/>
+            <a:endParaRPr lang="en-US"/>
+          </a:p>
+        </p:txBody>
+      </p:sp>
+      <p:sp>
+        <p:nvSpPr>
+          <p:cNvPr id="22" name="Arrow: Up 21">
+            <a:extLst>
+              <a:ext uri="{FF2B5EF4-FFF2-40B4-BE49-F238E27FC236}">
+                <a16:creationId xmlns:a16="http://schemas.microsoft.com/office/drawing/2014/main" id="{16B61435-B7FE-49DB-9B26-87446F8ED94B}"/>
               </a:ext>
             </a:extLst>
           </p:cNvPr>
@@ -4051,8 +3967,8 @@
         </p:nvSpPr>
         <p:spPr>
           <a:xfrm>
-            <a:off x="4549193" y="2344008"/>
-            <a:ext cx="298580" cy="351325"/>
+            <a:off x="5906544" y="3429000"/>
+            <a:ext cx="298580" cy="523694"/>
           </a:xfrm>
           <a:prstGeom prst="upArrow">
             <a:avLst/>
@@ -4085,10 +4001,10 @@
       </p:sp>
       <p:sp>
         <p:nvSpPr>
-          <p:cNvPr id="26" name="Rectangle 25">
-            <a:extLst>
-              <a:ext uri="{FF2B5EF4-FFF2-40B4-BE49-F238E27FC236}">
-                <a16:creationId xmlns:a16="http://schemas.microsoft.com/office/drawing/2014/main" id="{DC54B895-62E2-44DE-BCEB-45AE1EF7FD76}"/>
+          <p:cNvPr id="29" name="Rectangle 28">
+            <a:extLst>
+              <a:ext uri="{FF2B5EF4-FFF2-40B4-BE49-F238E27FC236}">
+                <a16:creationId xmlns:a16="http://schemas.microsoft.com/office/drawing/2014/main" id="{D585DF68-5253-463E-A41B-33F3A32027B4}"/>
               </a:ext>
             </a:extLst>
           </p:cNvPr>
@@ -4097,27 +4013,14 @@
         </p:nvSpPr>
         <p:spPr>
           <a:xfrm>
-            <a:off x="2885602" y="1785754"/>
-            <a:ext cx="1164428" cy="523220"/>
+            <a:off x="6944677" y="5903968"/>
+            <a:ext cx="2857321" cy="584775"/>
           </a:xfrm>
           <a:prstGeom prst="rect">
             <a:avLst/>
           </a:prstGeom>
-        </p:spPr>
-        <p:style>
-          <a:lnRef idx="2">
-            <a:schemeClr val="accent5"/>
-          </a:lnRef>
-          <a:fillRef idx="1">
-            <a:schemeClr val="lt1"/>
-          </a:fillRef>
-          <a:effectRef idx="0">
-            <a:schemeClr val="accent5"/>
-          </a:effectRef>
-          <a:fontRef idx="minor">
-            <a:schemeClr val="dk1"/>
-          </a:fontRef>
-        </p:style>
+          <a:noFill/>
+        </p:spPr>
         <p:txBody>
           <a:bodyPr wrap="square" lIns="91440" tIns="45720" rIns="91440" bIns="45720">
             <a:spAutoFit/>
@@ -4126,30 +4029,23 @@
           <a:p>
             <a:pPr algn="ctr"/>
             <a:r>
-              <a:rPr lang="en-US" sz="1400" b="0" cap="none" spc="0" dirty="0">
+              <a:rPr lang="en-US" sz="3200" cap="none" spc="0" dirty="0">
                 <a:ln w="0"/>
                 <a:solidFill>
                   <a:schemeClr val="tx1"/>
                 </a:solidFill>
-                <a:effectLst>
-                  <a:outerShdw blurRad="38100" dist="19050" dir="2700000" algn="tl" rotWithShape="0">
-                    <a:schemeClr val="dk1">
-                      <a:alpha val="40000"/>
-                    </a:schemeClr>
-                  </a:outerShdw>
-                </a:effectLst>
               </a:rPr>
-              <a:t>Classification loss</a:t>
-            </a:r>
-          </a:p>
-        </p:txBody>
-      </p:sp>
-      <p:sp>
-        <p:nvSpPr>
-          <p:cNvPr id="27" name="Rectangle 26">
-            <a:extLst>
-              <a:ext uri="{FF2B5EF4-FFF2-40B4-BE49-F238E27FC236}">
-                <a16:creationId xmlns:a16="http://schemas.microsoft.com/office/drawing/2014/main" id="{4AB45B19-20D3-4B24-BB10-7F520838AD64}"/>
+              <a:t>Input image</a:t>
+            </a:r>
+          </a:p>
+        </p:txBody>
+      </p:sp>
+      <p:sp>
+        <p:nvSpPr>
+          <p:cNvPr id="30" name="Rectangle 29">
+            <a:extLst>
+              <a:ext uri="{FF2B5EF4-FFF2-40B4-BE49-F238E27FC236}">
+                <a16:creationId xmlns:a16="http://schemas.microsoft.com/office/drawing/2014/main" id="{E34C4B10-221F-48B9-9C96-4FBC2B795AA0}"/>
               </a:ext>
             </a:extLst>
           </p:cNvPr>
@@ -4158,27 +4054,14 @@
         </p:nvSpPr>
         <p:spPr>
           <a:xfrm>
-            <a:off x="4097825" y="1355257"/>
-            <a:ext cx="989459" cy="954107"/>
+            <a:off x="8759659" y="2268395"/>
+            <a:ext cx="2857321" cy="1077218"/>
           </a:xfrm>
           <a:prstGeom prst="rect">
             <a:avLst/>
           </a:prstGeom>
-        </p:spPr>
-        <p:style>
-          <a:lnRef idx="2">
-            <a:schemeClr val="accent5"/>
-          </a:lnRef>
-          <a:fillRef idx="1">
-            <a:schemeClr val="lt1"/>
-          </a:fillRef>
-          <a:effectRef idx="0">
-            <a:schemeClr val="accent5"/>
-          </a:effectRef>
-          <a:fontRef idx="minor">
-            <a:schemeClr val="dk1"/>
-          </a:fontRef>
-        </p:style>
+          <a:noFill/>
+        </p:spPr>
         <p:txBody>
           <a:bodyPr wrap="square" lIns="91440" tIns="45720" rIns="91440" bIns="45720">
             <a:spAutoFit/>
@@ -4187,862 +4070,28 @@
           <a:p>
             <a:pPr algn="ctr"/>
             <a:r>
-              <a:rPr lang="en-US" sz="1400" b="0" cap="none" spc="0" dirty="0">
+              <a:rPr lang="en-US" sz="3200" cap="none" spc="0" dirty="0">
                 <a:ln w="0"/>
                 <a:solidFill>
                   <a:schemeClr val="tx1"/>
                 </a:solidFill>
-                <a:effectLst>
-                  <a:outerShdw blurRad="38100" dist="19050" dir="2700000" algn="tl" rotWithShape="0">
-                    <a:schemeClr val="dk1">
-                      <a:alpha val="40000"/>
-                    </a:schemeClr>
-                  </a:outerShdw>
-                </a:effectLst>
-              </a:rPr>
-              <a:t>Bounding</a:t>
-            </a:r>
-          </a:p>
-          <a:p>
-            <a:pPr algn="ctr"/>
-            <a:r>
-              <a:rPr lang="en-US" sz="1400" b="0" cap="none" spc="0" dirty="0">
-                <a:ln w="0"/>
-                <a:solidFill>
-                  <a:schemeClr val="tx1"/>
-                </a:solidFill>
-                <a:effectLst>
-                  <a:outerShdw blurRad="38100" dist="19050" dir="2700000" algn="tl" rotWithShape="0">
-                    <a:schemeClr val="dk1">
-                      <a:alpha val="40000"/>
-                    </a:schemeClr>
-                  </a:outerShdw>
-                </a:effectLst>
-              </a:rPr>
-              <a:t>Box</a:t>
-            </a:r>
-          </a:p>
-          <a:p>
-            <a:pPr algn="ctr"/>
-            <a:r>
-              <a:rPr lang="en-US" sz="1400" b="0" cap="none" spc="0" dirty="0">
-                <a:ln w="0"/>
-                <a:solidFill>
-                  <a:schemeClr val="tx1"/>
-                </a:solidFill>
-                <a:effectLst>
-                  <a:outerShdw blurRad="38100" dist="19050" dir="2700000" algn="tl" rotWithShape="0">
-                    <a:schemeClr val="dk1">
-                      <a:alpha val="40000"/>
-                    </a:schemeClr>
-                  </a:outerShdw>
-                </a:effectLst>
-              </a:rPr>
-              <a:t>Regression</a:t>
-            </a:r>
-          </a:p>
-          <a:p>
-            <a:pPr algn="ctr"/>
-            <a:r>
-              <a:rPr lang="en-US" sz="1400" b="0" cap="none" spc="0" dirty="0">
-                <a:ln w="0"/>
-                <a:solidFill>
-                  <a:schemeClr val="tx1"/>
-                </a:solidFill>
-                <a:effectLst>
-                  <a:outerShdw blurRad="38100" dist="19050" dir="2700000" algn="tl" rotWithShape="0">
-                    <a:schemeClr val="dk1">
-                      <a:alpha val="40000"/>
-                    </a:schemeClr>
-                  </a:outerShdw>
-                </a:effectLst>
-              </a:rPr>
-              <a:t>loss</a:t>
-            </a:r>
-          </a:p>
-        </p:txBody>
-      </p:sp>
-      <p:sp>
-        <p:nvSpPr>
-          <p:cNvPr id="36" name="Arrow: Up 35">
-            <a:extLst>
-              <a:ext uri="{FF2B5EF4-FFF2-40B4-BE49-F238E27FC236}">
-                <a16:creationId xmlns:a16="http://schemas.microsoft.com/office/drawing/2014/main" id="{AAAED173-C519-4A93-B256-CCC699211190}"/>
-              </a:ext>
-            </a:extLst>
-          </p:cNvPr>
-          <p:cNvSpPr/>
-          <p:nvPr/>
-        </p:nvSpPr>
-        <p:spPr>
-          <a:xfrm rot="19041164">
-            <a:off x="5195519" y="867431"/>
-            <a:ext cx="298580" cy="374661"/>
-          </a:xfrm>
-          <a:prstGeom prst="upArrow">
-            <a:avLst/>
-          </a:prstGeom>
-        </p:spPr>
-        <p:style>
-          <a:lnRef idx="2">
-            <a:schemeClr val="accent1">
-              <a:shade val="50000"/>
-            </a:schemeClr>
-          </a:lnRef>
-          <a:fillRef idx="1">
-            <a:schemeClr val="accent1"/>
-          </a:fillRef>
-          <a:effectRef idx="0">
-            <a:schemeClr val="accent1"/>
-          </a:effectRef>
-          <a:fontRef idx="minor">
-            <a:schemeClr val="lt1"/>
-          </a:fontRef>
-        </p:style>
-        <p:txBody>
-          <a:bodyPr rtlCol="0" anchor="ctr"/>
-          <a:lstStyle/>
-          <a:p>
-            <a:pPr algn="ctr"/>
-            <a:endParaRPr lang="en-US" dirty="0"/>
-          </a:p>
-        </p:txBody>
-      </p:sp>
-      <p:sp>
-        <p:nvSpPr>
-          <p:cNvPr id="37" name="Arrow: Up 36">
-            <a:extLst>
-              <a:ext uri="{FF2B5EF4-FFF2-40B4-BE49-F238E27FC236}">
-                <a16:creationId xmlns:a16="http://schemas.microsoft.com/office/drawing/2014/main" id="{2D5C07C1-CB75-4C36-87C2-BFF5D672B3BD}"/>
-              </a:ext>
-            </a:extLst>
-          </p:cNvPr>
-          <p:cNvSpPr/>
-          <p:nvPr/>
-        </p:nvSpPr>
-        <p:spPr>
-          <a:xfrm>
-            <a:off x="5913507" y="829824"/>
-            <a:ext cx="298580" cy="351325"/>
-          </a:xfrm>
-          <a:prstGeom prst="upArrow">
-            <a:avLst/>
-          </a:prstGeom>
-        </p:spPr>
-        <p:style>
-          <a:lnRef idx="2">
-            <a:schemeClr val="accent1">
-              <a:shade val="50000"/>
-            </a:schemeClr>
-          </a:lnRef>
-          <a:fillRef idx="1">
-            <a:schemeClr val="accent1"/>
-          </a:fillRef>
-          <a:effectRef idx="0">
-            <a:schemeClr val="accent1"/>
-          </a:effectRef>
-          <a:fontRef idx="minor">
-            <a:schemeClr val="lt1"/>
-          </a:fontRef>
-        </p:style>
-        <p:txBody>
-          <a:bodyPr rtlCol="0" anchor="ctr"/>
-          <a:lstStyle/>
-          <a:p>
-            <a:pPr algn="ctr"/>
-            <a:endParaRPr lang="en-US"/>
-          </a:p>
-        </p:txBody>
-      </p:sp>
-      <p:sp>
-        <p:nvSpPr>
-          <p:cNvPr id="38" name="Rectangle 37">
-            <a:extLst>
-              <a:ext uri="{FF2B5EF4-FFF2-40B4-BE49-F238E27FC236}">
-                <a16:creationId xmlns:a16="http://schemas.microsoft.com/office/drawing/2014/main" id="{1AFEA6D4-D342-4655-A5BE-540229CF715B}"/>
-              </a:ext>
-            </a:extLst>
-          </p:cNvPr>
-          <p:cNvSpPr/>
-          <p:nvPr/>
-        </p:nvSpPr>
-        <p:spPr>
-          <a:xfrm>
-            <a:off x="4249916" y="271570"/>
-            <a:ext cx="1164428" cy="523220"/>
-          </a:xfrm>
-          <a:prstGeom prst="rect">
-            <a:avLst/>
-          </a:prstGeom>
-        </p:spPr>
-        <p:style>
-          <a:lnRef idx="2">
-            <a:schemeClr val="accent5"/>
-          </a:lnRef>
-          <a:fillRef idx="1">
-            <a:schemeClr val="lt1"/>
-          </a:fillRef>
-          <a:effectRef idx="0">
-            <a:schemeClr val="accent5"/>
-          </a:effectRef>
-          <a:fontRef idx="minor">
-            <a:schemeClr val="dk1"/>
-          </a:fontRef>
-        </p:style>
-        <p:txBody>
-          <a:bodyPr wrap="square" lIns="91440" tIns="45720" rIns="91440" bIns="45720">
-            <a:spAutoFit/>
-          </a:bodyPr>
-          <a:lstStyle/>
-          <a:p>
-            <a:pPr algn="ctr"/>
-            <a:r>
-              <a:rPr lang="en-US" sz="1400" b="0" cap="none" spc="0" dirty="0">
-                <a:ln w="0"/>
-                <a:solidFill>
-                  <a:schemeClr val="tx1"/>
-                </a:solidFill>
-                <a:effectLst>
-                  <a:outerShdw blurRad="38100" dist="19050" dir="2700000" algn="tl" rotWithShape="0">
-                    <a:schemeClr val="dk1">
-                      <a:alpha val="40000"/>
-                    </a:schemeClr>
-                  </a:outerShdw>
-                </a:effectLst>
-              </a:rPr>
-              <a:t>Classification loss</a:t>
-            </a:r>
-          </a:p>
-        </p:txBody>
-      </p:sp>
-      <p:sp>
-        <p:nvSpPr>
-          <p:cNvPr id="39" name="Rectangle 38">
-            <a:extLst>
-              <a:ext uri="{FF2B5EF4-FFF2-40B4-BE49-F238E27FC236}">
-                <a16:creationId xmlns:a16="http://schemas.microsoft.com/office/drawing/2014/main" id="{10425231-CCEF-400B-9C11-A6B97C75856B}"/>
-              </a:ext>
-            </a:extLst>
-          </p:cNvPr>
-          <p:cNvSpPr/>
-          <p:nvPr/>
-        </p:nvSpPr>
-        <p:spPr>
-          <a:xfrm>
-            <a:off x="5462139" y="-158927"/>
-            <a:ext cx="989459" cy="954107"/>
-          </a:xfrm>
-          <a:prstGeom prst="rect">
-            <a:avLst/>
-          </a:prstGeom>
-        </p:spPr>
-        <p:style>
-          <a:lnRef idx="2">
-            <a:schemeClr val="accent5"/>
-          </a:lnRef>
-          <a:fillRef idx="1">
-            <a:schemeClr val="lt1"/>
-          </a:fillRef>
-          <a:effectRef idx="0">
-            <a:schemeClr val="accent5"/>
-          </a:effectRef>
-          <a:fontRef idx="minor">
-            <a:schemeClr val="dk1"/>
-          </a:fontRef>
-        </p:style>
-        <p:txBody>
-          <a:bodyPr wrap="square" lIns="91440" tIns="45720" rIns="91440" bIns="45720">
-            <a:spAutoFit/>
-          </a:bodyPr>
-          <a:lstStyle/>
-          <a:p>
-            <a:pPr algn="ctr"/>
-            <a:r>
-              <a:rPr lang="en-US" sz="1400" b="0" cap="none" spc="0" dirty="0">
-                <a:ln w="0"/>
-                <a:solidFill>
-                  <a:schemeClr val="tx1"/>
-                </a:solidFill>
-                <a:effectLst>
-                  <a:outerShdw blurRad="38100" dist="19050" dir="2700000" algn="tl" rotWithShape="0">
-                    <a:schemeClr val="dk1">
-                      <a:alpha val="40000"/>
-                    </a:schemeClr>
-                  </a:outerShdw>
-                </a:effectLst>
-              </a:rPr>
-              <a:t>Bounding</a:t>
-            </a:r>
-          </a:p>
-          <a:p>
-            <a:pPr algn="ctr"/>
-            <a:r>
-              <a:rPr lang="en-US" sz="1400" b="0" cap="none" spc="0" dirty="0">
-                <a:ln w="0"/>
-                <a:solidFill>
-                  <a:schemeClr val="tx1"/>
-                </a:solidFill>
-                <a:effectLst>
-                  <a:outerShdw blurRad="38100" dist="19050" dir="2700000" algn="tl" rotWithShape="0">
-                    <a:schemeClr val="dk1">
-                      <a:alpha val="40000"/>
-                    </a:schemeClr>
-                  </a:outerShdw>
-                </a:effectLst>
-              </a:rPr>
-              <a:t>Box</a:t>
-            </a:r>
-          </a:p>
-          <a:p>
-            <a:pPr algn="ctr"/>
-            <a:r>
-              <a:rPr lang="en-US" sz="1400" b="0" cap="none" spc="0" dirty="0">
-                <a:ln w="0"/>
-                <a:solidFill>
-                  <a:schemeClr val="tx1"/>
-                </a:solidFill>
-                <a:effectLst>
-                  <a:outerShdw blurRad="38100" dist="19050" dir="2700000" algn="tl" rotWithShape="0">
-                    <a:schemeClr val="dk1">
-                      <a:alpha val="40000"/>
-                    </a:schemeClr>
-                  </a:outerShdw>
-                </a:effectLst>
-              </a:rPr>
-              <a:t>Regression</a:t>
-            </a:r>
-          </a:p>
-          <a:p>
-            <a:pPr algn="ctr"/>
-            <a:r>
-              <a:rPr lang="en-US" sz="1400" b="0" cap="none" spc="0" dirty="0">
-                <a:ln w="0"/>
-                <a:solidFill>
-                  <a:schemeClr val="tx1"/>
-                </a:solidFill>
-                <a:effectLst>
-                  <a:outerShdw blurRad="38100" dist="19050" dir="2700000" algn="tl" rotWithShape="0">
-                    <a:schemeClr val="dk1">
-                      <a:alpha val="40000"/>
-                    </a:schemeClr>
-                  </a:outerShdw>
-                </a:effectLst>
-              </a:rPr>
-              <a:t>loss</a:t>
-            </a:r>
-          </a:p>
-        </p:txBody>
-      </p:sp>
-      <p:sp>
-        <p:nvSpPr>
-          <p:cNvPr id="40" name="Arrow: Up 39">
-            <a:extLst>
-              <a:ext uri="{FF2B5EF4-FFF2-40B4-BE49-F238E27FC236}">
-                <a16:creationId xmlns:a16="http://schemas.microsoft.com/office/drawing/2014/main" id="{ECA730A3-CDB1-412B-9041-17542D63A32E}"/>
-              </a:ext>
-            </a:extLst>
-          </p:cNvPr>
-          <p:cNvSpPr/>
-          <p:nvPr/>
-        </p:nvSpPr>
-        <p:spPr>
-          <a:xfrm rot="19041164">
-            <a:off x="8476230" y="898066"/>
-            <a:ext cx="298580" cy="374661"/>
-          </a:xfrm>
-          <a:prstGeom prst="upArrow">
-            <a:avLst/>
-          </a:prstGeom>
-        </p:spPr>
-        <p:style>
-          <a:lnRef idx="2">
-            <a:schemeClr val="accent1">
-              <a:shade val="50000"/>
-            </a:schemeClr>
-          </a:lnRef>
-          <a:fillRef idx="1">
-            <a:schemeClr val="accent1"/>
-          </a:fillRef>
-          <a:effectRef idx="0">
-            <a:schemeClr val="accent1"/>
-          </a:effectRef>
-          <a:fontRef idx="minor">
-            <a:schemeClr val="lt1"/>
-          </a:fontRef>
-        </p:style>
-        <p:txBody>
-          <a:bodyPr rtlCol="0" anchor="ctr"/>
-          <a:lstStyle/>
-          <a:p>
-            <a:pPr algn="ctr"/>
-            <a:endParaRPr lang="en-US" dirty="0"/>
-          </a:p>
-        </p:txBody>
-      </p:sp>
-      <p:sp>
-        <p:nvSpPr>
-          <p:cNvPr id="41" name="Arrow: Up 40">
-            <a:extLst>
-              <a:ext uri="{FF2B5EF4-FFF2-40B4-BE49-F238E27FC236}">
-                <a16:creationId xmlns:a16="http://schemas.microsoft.com/office/drawing/2014/main" id="{C64F7CC2-AD74-481A-906F-0C22E257A28C}"/>
-              </a:ext>
-            </a:extLst>
-          </p:cNvPr>
-          <p:cNvSpPr/>
-          <p:nvPr/>
-        </p:nvSpPr>
-        <p:spPr>
-          <a:xfrm>
-            <a:off x="9194218" y="860459"/>
-            <a:ext cx="298580" cy="351325"/>
-          </a:xfrm>
-          <a:prstGeom prst="upArrow">
-            <a:avLst/>
-          </a:prstGeom>
-        </p:spPr>
-        <p:style>
-          <a:lnRef idx="2">
-            <a:schemeClr val="accent1">
-              <a:shade val="50000"/>
-            </a:schemeClr>
-          </a:lnRef>
-          <a:fillRef idx="1">
-            <a:schemeClr val="accent1"/>
-          </a:fillRef>
-          <a:effectRef idx="0">
-            <a:schemeClr val="accent1"/>
-          </a:effectRef>
-          <a:fontRef idx="minor">
-            <a:schemeClr val="lt1"/>
-          </a:fontRef>
-        </p:style>
-        <p:txBody>
-          <a:bodyPr rtlCol="0" anchor="ctr"/>
-          <a:lstStyle/>
-          <a:p>
-            <a:pPr algn="ctr"/>
-            <a:endParaRPr lang="en-US"/>
-          </a:p>
-        </p:txBody>
-      </p:sp>
-      <p:sp>
-        <p:nvSpPr>
-          <p:cNvPr id="42" name="Rectangle 41">
-            <a:extLst>
-              <a:ext uri="{FF2B5EF4-FFF2-40B4-BE49-F238E27FC236}">
-                <a16:creationId xmlns:a16="http://schemas.microsoft.com/office/drawing/2014/main" id="{CDBC309A-31D7-4127-9355-F0B5C411788A}"/>
-              </a:ext>
-            </a:extLst>
-          </p:cNvPr>
-          <p:cNvSpPr/>
-          <p:nvPr/>
-        </p:nvSpPr>
-        <p:spPr>
-          <a:xfrm>
-            <a:off x="7530627" y="302205"/>
-            <a:ext cx="1164428" cy="523220"/>
-          </a:xfrm>
-          <a:prstGeom prst="rect">
-            <a:avLst/>
-          </a:prstGeom>
-        </p:spPr>
-        <p:style>
-          <a:lnRef idx="2">
-            <a:schemeClr val="accent5"/>
-          </a:lnRef>
-          <a:fillRef idx="1">
-            <a:schemeClr val="lt1"/>
-          </a:fillRef>
-          <a:effectRef idx="0">
-            <a:schemeClr val="accent5"/>
-          </a:effectRef>
-          <a:fontRef idx="minor">
-            <a:schemeClr val="dk1"/>
-          </a:fontRef>
-        </p:style>
-        <p:txBody>
-          <a:bodyPr wrap="square" lIns="91440" tIns="45720" rIns="91440" bIns="45720">
-            <a:spAutoFit/>
-          </a:bodyPr>
-          <a:lstStyle/>
-          <a:p>
-            <a:pPr algn="ctr"/>
-            <a:r>
-              <a:rPr lang="en-US" sz="1400" b="0" cap="none" spc="0" dirty="0">
-                <a:ln w="0"/>
-                <a:solidFill>
-                  <a:schemeClr val="tx1"/>
-                </a:solidFill>
-                <a:effectLst>
-                  <a:outerShdw blurRad="38100" dist="19050" dir="2700000" algn="tl" rotWithShape="0">
-                    <a:schemeClr val="dk1">
-                      <a:alpha val="40000"/>
-                    </a:schemeClr>
-                  </a:outerShdw>
-                </a:effectLst>
-              </a:rPr>
-              <a:t>Classification loss</a:t>
-            </a:r>
-          </a:p>
-        </p:txBody>
-      </p:sp>
-      <p:sp>
-        <p:nvSpPr>
-          <p:cNvPr id="43" name="Rectangle 42">
-            <a:extLst>
-              <a:ext uri="{FF2B5EF4-FFF2-40B4-BE49-F238E27FC236}">
-                <a16:creationId xmlns:a16="http://schemas.microsoft.com/office/drawing/2014/main" id="{479B7BC0-9327-4239-BE8C-C0FEB518E908}"/>
-              </a:ext>
-            </a:extLst>
-          </p:cNvPr>
-          <p:cNvSpPr/>
-          <p:nvPr/>
-        </p:nvSpPr>
-        <p:spPr>
-          <a:xfrm>
-            <a:off x="8742850" y="-128292"/>
-            <a:ext cx="989459" cy="954107"/>
-          </a:xfrm>
-          <a:prstGeom prst="rect">
-            <a:avLst/>
-          </a:prstGeom>
-        </p:spPr>
-        <p:style>
-          <a:lnRef idx="2">
-            <a:schemeClr val="accent5"/>
-          </a:lnRef>
-          <a:fillRef idx="1">
-            <a:schemeClr val="lt1"/>
-          </a:fillRef>
-          <a:effectRef idx="0">
-            <a:schemeClr val="accent5"/>
-          </a:effectRef>
-          <a:fontRef idx="minor">
-            <a:schemeClr val="dk1"/>
-          </a:fontRef>
-        </p:style>
-        <p:txBody>
-          <a:bodyPr wrap="square" lIns="91440" tIns="45720" rIns="91440" bIns="45720">
-            <a:spAutoFit/>
-          </a:bodyPr>
-          <a:lstStyle/>
-          <a:p>
-            <a:pPr algn="ctr"/>
-            <a:r>
-              <a:rPr lang="en-US" sz="1400" b="0" cap="none" spc="0" dirty="0">
-                <a:ln w="0"/>
-                <a:solidFill>
-                  <a:schemeClr val="tx1"/>
-                </a:solidFill>
-                <a:effectLst>
-                  <a:outerShdw blurRad="38100" dist="19050" dir="2700000" algn="tl" rotWithShape="0">
-                    <a:schemeClr val="dk1">
-                      <a:alpha val="40000"/>
-                    </a:schemeClr>
-                  </a:outerShdw>
-                </a:effectLst>
-              </a:rPr>
-              <a:t>Bounding</a:t>
-            </a:r>
-          </a:p>
-          <a:p>
-            <a:pPr algn="ctr"/>
-            <a:r>
-              <a:rPr lang="en-US" sz="1400" b="0" cap="none" spc="0" dirty="0">
-                <a:ln w="0"/>
-                <a:solidFill>
-                  <a:schemeClr val="tx1"/>
-                </a:solidFill>
-                <a:effectLst>
-                  <a:outerShdw blurRad="38100" dist="19050" dir="2700000" algn="tl" rotWithShape="0">
-                    <a:schemeClr val="dk1">
-                      <a:alpha val="40000"/>
-                    </a:schemeClr>
-                  </a:outerShdw>
-                </a:effectLst>
-              </a:rPr>
-              <a:t>Box</a:t>
-            </a:r>
-          </a:p>
-          <a:p>
-            <a:pPr algn="ctr"/>
-            <a:r>
-              <a:rPr lang="en-US" sz="1400" b="0" cap="none" spc="0" dirty="0">
-                <a:ln w="0"/>
-                <a:solidFill>
-                  <a:schemeClr val="tx1"/>
-                </a:solidFill>
-                <a:effectLst>
-                  <a:outerShdw blurRad="38100" dist="19050" dir="2700000" algn="tl" rotWithShape="0">
-                    <a:schemeClr val="dk1">
-                      <a:alpha val="40000"/>
-                    </a:schemeClr>
-                  </a:outerShdw>
-                </a:effectLst>
-              </a:rPr>
-              <a:t>Regression</a:t>
-            </a:r>
-          </a:p>
-          <a:p>
-            <a:pPr algn="ctr"/>
-            <a:r>
-              <a:rPr lang="en-US" sz="1400" b="0" cap="none" spc="0" dirty="0">
-                <a:ln w="0"/>
-                <a:solidFill>
-                  <a:schemeClr val="tx1"/>
-                </a:solidFill>
-                <a:effectLst>
-                  <a:outerShdw blurRad="38100" dist="19050" dir="2700000" algn="tl" rotWithShape="0">
-                    <a:schemeClr val="dk1">
-                      <a:alpha val="40000"/>
-                    </a:schemeClr>
-                  </a:outerShdw>
-                </a:effectLst>
-              </a:rPr>
-              <a:t>loss</a:t>
-            </a:r>
-          </a:p>
-        </p:txBody>
-      </p:sp>
-      <p:sp>
-        <p:nvSpPr>
-          <p:cNvPr id="28" name="Rectangle 27">
-            <a:extLst>
-              <a:ext uri="{FF2B5EF4-FFF2-40B4-BE49-F238E27FC236}">
-                <a16:creationId xmlns:a16="http://schemas.microsoft.com/office/drawing/2014/main" id="{03C620A9-F017-40AC-BD85-D6BDD4169187}"/>
-              </a:ext>
-            </a:extLst>
-          </p:cNvPr>
-          <p:cNvSpPr/>
-          <p:nvPr/>
-        </p:nvSpPr>
-        <p:spPr>
-          <a:xfrm>
-            <a:off x="4847773" y="3531413"/>
-            <a:ext cx="1402589" cy="621642"/>
-          </a:xfrm>
-          <a:prstGeom prst="rect">
-            <a:avLst/>
-          </a:prstGeom>
-          <a:solidFill>
-            <a:srgbClr val="00FF00">
-              <a:alpha val="50000"/>
-            </a:srgbClr>
-          </a:solidFill>
-          <a:ln>
-            <a:solidFill>
-              <a:srgbClr val="007D00"/>
-            </a:solidFill>
-          </a:ln>
-          <a:scene3d>
-            <a:camera prst="orthographicFront">
-              <a:rot lat="1566000" lon="17652000" rev="18942000"/>
-            </a:camera>
-            <a:lightRig rig="threePt" dir="t"/>
-          </a:scene3d>
-        </p:spPr>
-        <p:style>
-          <a:lnRef idx="2">
-            <a:schemeClr val="accent1">
-              <a:shade val="50000"/>
-            </a:schemeClr>
-          </a:lnRef>
-          <a:fillRef idx="1">
-            <a:schemeClr val="accent1"/>
-          </a:fillRef>
-          <a:effectRef idx="0">
-            <a:schemeClr val="accent1"/>
-          </a:effectRef>
-          <a:fontRef idx="minor">
-            <a:schemeClr val="lt1"/>
-          </a:fontRef>
-        </p:style>
-        <p:txBody>
-          <a:bodyPr rtlCol="0" anchor="ctr"/>
-          <a:lstStyle/>
-          <a:p>
-            <a:pPr algn="ctr"/>
-            <a:endParaRPr lang="en-US"/>
-          </a:p>
-        </p:txBody>
-      </p:sp>
-      <p:sp>
-        <p:nvSpPr>
-          <p:cNvPr id="22" name="Arrow: Up 21">
-            <a:extLst>
-              <a:ext uri="{FF2B5EF4-FFF2-40B4-BE49-F238E27FC236}">
-                <a16:creationId xmlns:a16="http://schemas.microsoft.com/office/drawing/2014/main" id="{16B61435-B7FE-49DB-9B26-87446F8ED94B}"/>
-              </a:ext>
-            </a:extLst>
-          </p:cNvPr>
-          <p:cNvSpPr/>
-          <p:nvPr/>
-        </p:nvSpPr>
-        <p:spPr>
-          <a:xfrm>
-            <a:off x="5462139" y="2459944"/>
-            <a:ext cx="298580" cy="1351484"/>
-          </a:xfrm>
-          <a:prstGeom prst="upArrow">
-            <a:avLst/>
-          </a:prstGeom>
-        </p:spPr>
-        <p:style>
-          <a:lnRef idx="2">
-            <a:schemeClr val="accent1">
-              <a:shade val="50000"/>
-            </a:schemeClr>
-          </a:lnRef>
-          <a:fillRef idx="1">
-            <a:schemeClr val="accent1"/>
-          </a:fillRef>
-          <a:effectRef idx="0">
-            <a:schemeClr val="accent1"/>
-          </a:effectRef>
-          <a:fontRef idx="minor">
-            <a:schemeClr val="lt1"/>
-          </a:fontRef>
-        </p:style>
-        <p:txBody>
-          <a:bodyPr rtlCol="0" anchor="ctr"/>
-          <a:lstStyle/>
-          <a:p>
-            <a:pPr algn="ctr"/>
-            <a:endParaRPr lang="en-US"/>
-          </a:p>
-        </p:txBody>
-      </p:sp>
-      <p:sp>
-        <p:nvSpPr>
-          <p:cNvPr id="29" name="Rectangle 28">
-            <a:extLst>
-              <a:ext uri="{FF2B5EF4-FFF2-40B4-BE49-F238E27FC236}">
-                <a16:creationId xmlns:a16="http://schemas.microsoft.com/office/drawing/2014/main" id="{D585DF68-5253-463E-A41B-33F3A32027B4}"/>
-              </a:ext>
-            </a:extLst>
-          </p:cNvPr>
-          <p:cNvSpPr/>
-          <p:nvPr/>
-        </p:nvSpPr>
-        <p:spPr>
-          <a:xfrm>
-            <a:off x="6380258" y="6162001"/>
-            <a:ext cx="2857321" cy="400110"/>
-          </a:xfrm>
-          <a:prstGeom prst="rect">
-            <a:avLst/>
-          </a:prstGeom>
-          <a:noFill/>
-        </p:spPr>
-        <p:txBody>
-          <a:bodyPr wrap="square" lIns="91440" tIns="45720" rIns="91440" bIns="45720">
-            <a:spAutoFit/>
-          </a:bodyPr>
-          <a:lstStyle/>
-          <a:p>
-            <a:pPr algn="ctr"/>
-            <a:r>
-              <a:rPr lang="en-US" sz="2000" cap="none" spc="0" dirty="0">
-                <a:ln w="0"/>
-                <a:solidFill>
-                  <a:schemeClr val="tx1"/>
-                </a:solidFill>
-                <a:effectLst>
-                  <a:outerShdw blurRad="38100" dist="19050" dir="2700000" algn="tl" rotWithShape="0">
-                    <a:schemeClr val="dk1">
-                      <a:alpha val="40000"/>
-                    </a:schemeClr>
-                  </a:outerShdw>
-                </a:effectLst>
-              </a:rPr>
-              <a:t>Input image</a:t>
-            </a:r>
-          </a:p>
-        </p:txBody>
-      </p:sp>
-      <p:sp>
-        <p:nvSpPr>
-          <p:cNvPr id="30" name="Rectangle 29">
-            <a:extLst>
-              <a:ext uri="{FF2B5EF4-FFF2-40B4-BE49-F238E27FC236}">
-                <a16:creationId xmlns:a16="http://schemas.microsoft.com/office/drawing/2014/main" id="{E34C4B10-221F-48B9-9C96-4FBC2B795AA0}"/>
-              </a:ext>
-            </a:extLst>
-          </p:cNvPr>
-          <p:cNvSpPr/>
-          <p:nvPr/>
-        </p:nvSpPr>
-        <p:spPr>
-          <a:xfrm>
-            <a:off x="8811933" y="2821651"/>
-            <a:ext cx="2857321" cy="400110"/>
-          </a:xfrm>
-          <a:prstGeom prst="rect">
-            <a:avLst/>
-          </a:prstGeom>
-          <a:noFill/>
-        </p:spPr>
-        <p:txBody>
-          <a:bodyPr wrap="square" lIns="91440" tIns="45720" rIns="91440" bIns="45720">
-            <a:spAutoFit/>
-          </a:bodyPr>
-          <a:lstStyle/>
-          <a:p>
-            <a:pPr algn="ctr"/>
-            <a:r>
-              <a:rPr lang="en-US" sz="2000" cap="none" spc="0" dirty="0">
-                <a:ln w="0"/>
-                <a:solidFill>
-                  <a:schemeClr val="tx1"/>
-                </a:solidFill>
-                <a:effectLst>
-                  <a:outerShdw blurRad="38100" dist="19050" dir="2700000" algn="tl" rotWithShape="0">
-                    <a:schemeClr val="dk1">
-                      <a:alpha val="40000"/>
-                    </a:schemeClr>
-                  </a:outerShdw>
-                </a:effectLst>
               </a:rPr>
               <a:t>Resized</a:t>
             </a:r>
-            <a:r>
-              <a:rPr lang="en-US" sz="2000" dirty="0">
+          </a:p>
+          <a:p>
+            <a:pPr algn="ctr"/>
+            <a:r>
+              <a:rPr lang="en-US" sz="3200" dirty="0" err="1">
                 <a:ln w="0"/>
-                <a:effectLst>
-                  <a:outerShdw blurRad="38100" dist="19050" dir="2700000" algn="tl" rotWithShape="0">
-                    <a:schemeClr val="dk1">
-                      <a:alpha val="40000"/>
-                    </a:schemeClr>
-                  </a:outerShdw>
-                </a:effectLst>
-              </a:rPr>
-              <a:t> </a:t>
-            </a:r>
-            <a:r>
-              <a:rPr lang="en-US" sz="2000" dirty="0" err="1">
-                <a:ln w="0"/>
-                <a:effectLst>
-                  <a:outerShdw blurRad="38100" dist="19050" dir="2700000" algn="tl" rotWithShape="0">
-                    <a:schemeClr val="dk1">
-                      <a:alpha val="40000"/>
-                    </a:schemeClr>
-                  </a:outerShdw>
-                </a:effectLst>
               </a:rPr>
               <a:t>RoIs</a:t>
             </a:r>
-            <a:endParaRPr lang="en-US" sz="2000" cap="none" spc="0" dirty="0">
+            <a:endParaRPr lang="en-US" sz="3200" cap="none" spc="0" dirty="0">
               <a:ln w="0"/>
               <a:solidFill>
                 <a:schemeClr val="tx1"/>
               </a:solidFill>
-              <a:effectLst>
-                <a:outerShdw blurRad="38100" dist="19050" dir="2700000" algn="tl" rotWithShape="0">
-                  <a:schemeClr val="dk1">
-                    <a:alpha val="40000"/>
-                  </a:schemeClr>
-                </a:outerShdw>
-              </a:effectLst>
             </a:endParaRPr>
           </a:p>
         </p:txBody>
@@ -5061,8 +4110,8 @@
         </p:nvSpPr>
         <p:spPr>
           <a:xfrm>
-            <a:off x="8099727" y="4684941"/>
-            <a:ext cx="2857321" cy="400110"/>
+            <a:off x="8219202" y="4576192"/>
+            <a:ext cx="2857321" cy="584775"/>
           </a:xfrm>
           <a:prstGeom prst="rect">
             <a:avLst/>
@@ -5077,7 +4126,7 @@
           <a:p>
             <a:pPr algn="ctr"/>
             <a:r>
-              <a:rPr lang="da-DK" sz="2000" dirty="0">
+              <a:rPr lang="da-DK" sz="3200" dirty="0">
                 <a:ln w="0"/>
                 <a:effectLst>
                   <a:outerShdw blurRad="38100" dist="19050" dir="2700000" algn="tl" rotWithShape="0">
@@ -5090,7 +4139,7 @@
               <a:t>R</a:t>
             </a:r>
             <a:r>
-              <a:rPr lang="en-US" sz="2000" dirty="0" err="1">
+              <a:rPr lang="en-US" sz="3200" dirty="0" err="1">
                 <a:ln w="0"/>
                 <a:effectLst>
                   <a:outerShdw blurRad="38100" dist="19050" dir="2700000" algn="tl" rotWithShape="0">
@@ -5102,7 +4151,7 @@
               </a:rPr>
               <a:t>oIs</a:t>
             </a:r>
-            <a:endParaRPr lang="en-US" sz="2000" cap="none" spc="0" dirty="0">
+            <a:endParaRPr lang="en-US" sz="3200" cap="none" spc="0" dirty="0">
               <a:ln w="0"/>
               <a:solidFill>
                 <a:schemeClr val="tx1"/>
@@ -5241,6 +4290,809 @@
           </a:fontRef>
         </p:style>
       </p:cxnSp>
+      <p:sp>
+        <p:nvSpPr>
+          <p:cNvPr id="34" name="Rectangle 33">
+            <a:extLst>
+              <a:ext uri="{FF2B5EF4-FFF2-40B4-BE49-F238E27FC236}">
+                <a16:creationId xmlns:a16="http://schemas.microsoft.com/office/drawing/2014/main" id="{5EA84EB4-6A2C-4FF5-A0F8-DDB51EB626DC}"/>
+              </a:ext>
+            </a:extLst>
+          </p:cNvPr>
+          <p:cNvSpPr/>
+          <p:nvPr/>
+        </p:nvSpPr>
+        <p:spPr>
+          <a:xfrm>
+            <a:off x="8921751" y="-117319"/>
+            <a:ext cx="2117096" cy="830997"/>
+          </a:xfrm>
+          <a:prstGeom prst="rect">
+            <a:avLst/>
+          </a:prstGeom>
+          <a:ln w="28575"/>
+        </p:spPr>
+        <p:style>
+          <a:lnRef idx="2">
+            <a:schemeClr val="accent5"/>
+          </a:lnRef>
+          <a:fillRef idx="1">
+            <a:schemeClr val="lt1"/>
+          </a:fillRef>
+          <a:effectRef idx="0">
+            <a:schemeClr val="accent5"/>
+          </a:effectRef>
+          <a:fontRef idx="minor">
+            <a:schemeClr val="dk1"/>
+          </a:fontRef>
+        </p:style>
+        <p:txBody>
+          <a:bodyPr wrap="square" lIns="91440" tIns="45720" rIns="91440" bIns="45720">
+            <a:spAutoFit/>
+          </a:bodyPr>
+          <a:lstStyle/>
+          <a:p>
+            <a:pPr algn="ctr"/>
+            <a:r>
+              <a:rPr lang="en-US" sz="2400" b="0" cap="none" spc="0" dirty="0">
+                <a:ln w="0"/>
+                <a:solidFill>
+                  <a:schemeClr val="tx1"/>
+                </a:solidFill>
+              </a:rPr>
+              <a:t>Bounding box</a:t>
+            </a:r>
+          </a:p>
+          <a:p>
+            <a:pPr algn="ctr"/>
+            <a:r>
+              <a:rPr lang="en-US" sz="2400" dirty="0">
+                <a:ln w="0"/>
+                <a:solidFill>
+                  <a:schemeClr val="tx1"/>
+                </a:solidFill>
+              </a:rPr>
+              <a:t>r</a:t>
+            </a:r>
+            <a:r>
+              <a:rPr lang="en-US" sz="2400" b="0" cap="none" spc="0" dirty="0">
+                <a:ln w="0"/>
+                <a:solidFill>
+                  <a:schemeClr val="tx1"/>
+                </a:solidFill>
+              </a:rPr>
+              <a:t>egression loss</a:t>
+            </a:r>
+          </a:p>
+        </p:txBody>
+      </p:sp>
+      <p:sp>
+        <p:nvSpPr>
+          <p:cNvPr id="35" name="Rectangle 34">
+            <a:extLst>
+              <a:ext uri="{FF2B5EF4-FFF2-40B4-BE49-F238E27FC236}">
+                <a16:creationId xmlns:a16="http://schemas.microsoft.com/office/drawing/2014/main" id="{A455E0FA-902D-4375-A10F-567E767649F8}"/>
+              </a:ext>
+            </a:extLst>
+          </p:cNvPr>
+          <p:cNvSpPr/>
+          <p:nvPr/>
+        </p:nvSpPr>
+        <p:spPr>
+          <a:xfrm>
+            <a:off x="6944677" y="-117319"/>
+            <a:ext cx="1879640" cy="830997"/>
+          </a:xfrm>
+          <a:prstGeom prst="rect">
+            <a:avLst/>
+          </a:prstGeom>
+          <a:ln w="28575"/>
+        </p:spPr>
+        <p:style>
+          <a:lnRef idx="2">
+            <a:schemeClr val="accent5"/>
+          </a:lnRef>
+          <a:fillRef idx="1">
+            <a:schemeClr val="lt1"/>
+          </a:fillRef>
+          <a:effectRef idx="0">
+            <a:schemeClr val="accent5"/>
+          </a:effectRef>
+          <a:fontRef idx="minor">
+            <a:schemeClr val="dk1"/>
+          </a:fontRef>
+        </p:style>
+        <p:txBody>
+          <a:bodyPr wrap="square" lIns="91440" tIns="45720" rIns="91440" bIns="45720">
+            <a:spAutoFit/>
+          </a:bodyPr>
+          <a:lstStyle/>
+          <a:p>
+            <a:pPr algn="ctr"/>
+            <a:r>
+              <a:rPr lang="en-US" sz="2400" b="0" cap="none" spc="0" dirty="0">
+                <a:ln w="0"/>
+                <a:solidFill>
+                  <a:schemeClr val="tx1"/>
+                </a:solidFill>
+              </a:rPr>
+              <a:t>Classification loss</a:t>
+            </a:r>
+          </a:p>
+        </p:txBody>
+      </p:sp>
+      <p:sp>
+        <p:nvSpPr>
+          <p:cNvPr id="46" name="Arrow: Up 45">
+            <a:extLst>
+              <a:ext uri="{FF2B5EF4-FFF2-40B4-BE49-F238E27FC236}">
+                <a16:creationId xmlns:a16="http://schemas.microsoft.com/office/drawing/2014/main" id="{AA0ACCC5-975B-4F5D-9C19-6289D4411DF8}"/>
+              </a:ext>
+            </a:extLst>
+          </p:cNvPr>
+          <p:cNvSpPr/>
+          <p:nvPr/>
+        </p:nvSpPr>
+        <p:spPr>
+          <a:xfrm rot="19528455">
+            <a:off x="2908603" y="2734163"/>
+            <a:ext cx="298580" cy="374661"/>
+          </a:xfrm>
+          <a:prstGeom prst="upArrow">
+            <a:avLst/>
+          </a:prstGeom>
+        </p:spPr>
+        <p:style>
+          <a:lnRef idx="2">
+            <a:schemeClr val="accent1">
+              <a:shade val="50000"/>
+            </a:schemeClr>
+          </a:lnRef>
+          <a:fillRef idx="1">
+            <a:schemeClr val="accent1"/>
+          </a:fillRef>
+          <a:effectRef idx="0">
+            <a:schemeClr val="accent1"/>
+          </a:effectRef>
+          <a:fontRef idx="minor">
+            <a:schemeClr val="lt1"/>
+          </a:fontRef>
+        </p:style>
+        <p:txBody>
+          <a:bodyPr rtlCol="0" anchor="ctr"/>
+          <a:lstStyle/>
+          <a:p>
+            <a:pPr algn="ctr"/>
+            <a:endParaRPr lang="en-US" dirty="0"/>
+          </a:p>
+        </p:txBody>
+      </p:sp>
+      <p:sp>
+        <p:nvSpPr>
+          <p:cNvPr id="47" name="Arrow: Up 46">
+            <a:extLst>
+              <a:ext uri="{FF2B5EF4-FFF2-40B4-BE49-F238E27FC236}">
+                <a16:creationId xmlns:a16="http://schemas.microsoft.com/office/drawing/2014/main" id="{D23295E3-5596-4FED-8CCC-1FF7B6899BA5}"/>
+              </a:ext>
+            </a:extLst>
+          </p:cNvPr>
+          <p:cNvSpPr/>
+          <p:nvPr/>
+        </p:nvSpPr>
+        <p:spPr>
+          <a:xfrm rot="1997109">
+            <a:off x="3529716" y="2755092"/>
+            <a:ext cx="298580" cy="351325"/>
+          </a:xfrm>
+          <a:prstGeom prst="upArrow">
+            <a:avLst/>
+          </a:prstGeom>
+        </p:spPr>
+        <p:style>
+          <a:lnRef idx="2">
+            <a:schemeClr val="accent1">
+              <a:shade val="50000"/>
+            </a:schemeClr>
+          </a:lnRef>
+          <a:fillRef idx="1">
+            <a:schemeClr val="accent1"/>
+          </a:fillRef>
+          <a:effectRef idx="0">
+            <a:schemeClr val="accent1"/>
+          </a:effectRef>
+          <a:fontRef idx="minor">
+            <a:schemeClr val="lt1"/>
+          </a:fontRef>
+        </p:style>
+        <p:txBody>
+          <a:bodyPr rtlCol="0" anchor="ctr"/>
+          <a:lstStyle/>
+          <a:p>
+            <a:pPr algn="ctr"/>
+            <a:endParaRPr lang="en-US"/>
+          </a:p>
+        </p:txBody>
+      </p:sp>
+      <p:sp>
+        <p:nvSpPr>
+          <p:cNvPr id="48" name="Rectangle 47">
+            <a:extLst>
+              <a:ext uri="{FF2B5EF4-FFF2-40B4-BE49-F238E27FC236}">
+                <a16:creationId xmlns:a16="http://schemas.microsoft.com/office/drawing/2014/main" id="{BDDA2DDF-4EDD-4F6F-BCE0-09B8F8823C89}"/>
+              </a:ext>
+            </a:extLst>
+          </p:cNvPr>
+          <p:cNvSpPr/>
+          <p:nvPr/>
+        </p:nvSpPr>
+        <p:spPr>
+          <a:xfrm>
+            <a:off x="3305812" y="1778438"/>
+            <a:ext cx="2117096" cy="830997"/>
+          </a:xfrm>
+          <a:prstGeom prst="rect">
+            <a:avLst/>
+          </a:prstGeom>
+          <a:ln w="28575"/>
+        </p:spPr>
+        <p:style>
+          <a:lnRef idx="2">
+            <a:schemeClr val="accent5"/>
+          </a:lnRef>
+          <a:fillRef idx="1">
+            <a:schemeClr val="lt1"/>
+          </a:fillRef>
+          <a:effectRef idx="0">
+            <a:schemeClr val="accent5"/>
+          </a:effectRef>
+          <a:fontRef idx="minor">
+            <a:schemeClr val="dk1"/>
+          </a:fontRef>
+        </p:style>
+        <p:txBody>
+          <a:bodyPr wrap="square" lIns="91440" tIns="45720" rIns="91440" bIns="45720">
+            <a:spAutoFit/>
+          </a:bodyPr>
+          <a:lstStyle/>
+          <a:p>
+            <a:pPr algn="ctr"/>
+            <a:r>
+              <a:rPr lang="en-US" sz="2400" b="0" cap="none" spc="0" dirty="0">
+                <a:ln w="0"/>
+                <a:solidFill>
+                  <a:schemeClr val="tx1"/>
+                </a:solidFill>
+              </a:rPr>
+              <a:t>Bounding box</a:t>
+            </a:r>
+          </a:p>
+          <a:p>
+            <a:pPr algn="ctr"/>
+            <a:r>
+              <a:rPr lang="en-US" sz="2400" dirty="0">
+                <a:ln w="0"/>
+                <a:solidFill>
+                  <a:schemeClr val="tx1"/>
+                </a:solidFill>
+              </a:rPr>
+              <a:t>r</a:t>
+            </a:r>
+            <a:r>
+              <a:rPr lang="en-US" sz="2400" b="0" cap="none" spc="0" dirty="0">
+                <a:ln w="0"/>
+                <a:solidFill>
+                  <a:schemeClr val="tx1"/>
+                </a:solidFill>
+              </a:rPr>
+              <a:t>egression loss</a:t>
+            </a:r>
+          </a:p>
+        </p:txBody>
+      </p:sp>
+      <p:sp>
+        <p:nvSpPr>
+          <p:cNvPr id="49" name="Rectangle 48">
+            <a:extLst>
+              <a:ext uri="{FF2B5EF4-FFF2-40B4-BE49-F238E27FC236}">
+                <a16:creationId xmlns:a16="http://schemas.microsoft.com/office/drawing/2014/main" id="{7D81B589-FEAA-4C95-B504-89F63F7E3288}"/>
+              </a:ext>
+            </a:extLst>
+          </p:cNvPr>
+          <p:cNvSpPr/>
+          <p:nvPr/>
+        </p:nvSpPr>
+        <p:spPr>
+          <a:xfrm>
+            <a:off x="1328738" y="1778438"/>
+            <a:ext cx="1879640" cy="830997"/>
+          </a:xfrm>
+          <a:prstGeom prst="rect">
+            <a:avLst/>
+          </a:prstGeom>
+          <a:ln w="28575"/>
+        </p:spPr>
+        <p:style>
+          <a:lnRef idx="2">
+            <a:schemeClr val="accent5"/>
+          </a:lnRef>
+          <a:fillRef idx="1">
+            <a:schemeClr val="lt1"/>
+          </a:fillRef>
+          <a:effectRef idx="0">
+            <a:schemeClr val="accent5"/>
+          </a:effectRef>
+          <a:fontRef idx="minor">
+            <a:schemeClr val="dk1"/>
+          </a:fontRef>
+        </p:style>
+        <p:txBody>
+          <a:bodyPr wrap="square" lIns="91440" tIns="45720" rIns="91440" bIns="45720">
+            <a:spAutoFit/>
+          </a:bodyPr>
+          <a:lstStyle/>
+          <a:p>
+            <a:pPr algn="ctr"/>
+            <a:r>
+              <a:rPr lang="en-US" sz="2400" b="0" cap="none" spc="0" dirty="0">
+                <a:ln w="0"/>
+                <a:solidFill>
+                  <a:schemeClr val="tx1"/>
+                </a:solidFill>
+              </a:rPr>
+              <a:t>Classification loss</a:t>
+            </a:r>
+          </a:p>
+        </p:txBody>
+      </p:sp>
+      <p:sp>
+        <p:nvSpPr>
+          <p:cNvPr id="52" name="Rectangle 51">
+            <a:extLst>
+              <a:ext uri="{FF2B5EF4-FFF2-40B4-BE49-F238E27FC236}">
+                <a16:creationId xmlns:a16="http://schemas.microsoft.com/office/drawing/2014/main" id="{4CB3A744-3E67-4D37-83C2-7EA0E1DB91B2}"/>
+              </a:ext>
+            </a:extLst>
+          </p:cNvPr>
+          <p:cNvSpPr/>
+          <p:nvPr/>
+        </p:nvSpPr>
+        <p:spPr>
+          <a:xfrm>
+            <a:off x="6015480" y="781543"/>
+            <a:ext cx="2117096" cy="830997"/>
+          </a:xfrm>
+          <a:prstGeom prst="rect">
+            <a:avLst/>
+          </a:prstGeom>
+          <a:ln w="28575"/>
+        </p:spPr>
+        <p:style>
+          <a:lnRef idx="2">
+            <a:schemeClr val="accent5"/>
+          </a:lnRef>
+          <a:fillRef idx="1">
+            <a:schemeClr val="lt1"/>
+          </a:fillRef>
+          <a:effectRef idx="0">
+            <a:schemeClr val="accent5"/>
+          </a:effectRef>
+          <a:fontRef idx="minor">
+            <a:schemeClr val="dk1"/>
+          </a:fontRef>
+        </p:style>
+        <p:txBody>
+          <a:bodyPr wrap="square" lIns="91440" tIns="45720" rIns="91440" bIns="45720">
+            <a:spAutoFit/>
+          </a:bodyPr>
+          <a:lstStyle/>
+          <a:p>
+            <a:pPr algn="ctr"/>
+            <a:r>
+              <a:rPr lang="en-US" sz="2400" b="0" cap="none" spc="0" dirty="0">
+                <a:ln w="0"/>
+                <a:solidFill>
+                  <a:schemeClr val="tx1"/>
+                </a:solidFill>
+              </a:rPr>
+              <a:t>Bounding box</a:t>
+            </a:r>
+          </a:p>
+          <a:p>
+            <a:pPr algn="ctr"/>
+            <a:r>
+              <a:rPr lang="en-US" sz="2400" dirty="0">
+                <a:ln w="0"/>
+                <a:solidFill>
+                  <a:schemeClr val="tx1"/>
+                </a:solidFill>
+              </a:rPr>
+              <a:t>r</a:t>
+            </a:r>
+            <a:r>
+              <a:rPr lang="en-US" sz="2400" b="0" cap="none" spc="0" dirty="0">
+                <a:ln w="0"/>
+                <a:solidFill>
+                  <a:schemeClr val="tx1"/>
+                </a:solidFill>
+              </a:rPr>
+              <a:t>egression loss</a:t>
+            </a:r>
+          </a:p>
+        </p:txBody>
+      </p:sp>
+      <p:sp>
+        <p:nvSpPr>
+          <p:cNvPr id="53" name="Rectangle 52">
+            <a:extLst>
+              <a:ext uri="{FF2B5EF4-FFF2-40B4-BE49-F238E27FC236}">
+                <a16:creationId xmlns:a16="http://schemas.microsoft.com/office/drawing/2014/main" id="{17625E8E-8CBD-41AE-B7A2-174DC0F32A7B}"/>
+              </a:ext>
+            </a:extLst>
+          </p:cNvPr>
+          <p:cNvSpPr/>
+          <p:nvPr/>
+        </p:nvSpPr>
+        <p:spPr>
+          <a:xfrm>
+            <a:off x="4038406" y="781543"/>
+            <a:ext cx="1879640" cy="830997"/>
+          </a:xfrm>
+          <a:prstGeom prst="rect">
+            <a:avLst/>
+          </a:prstGeom>
+          <a:ln w="28575"/>
+        </p:spPr>
+        <p:style>
+          <a:lnRef idx="2">
+            <a:schemeClr val="accent5"/>
+          </a:lnRef>
+          <a:fillRef idx="1">
+            <a:schemeClr val="lt1"/>
+          </a:fillRef>
+          <a:effectRef idx="0">
+            <a:schemeClr val="accent5"/>
+          </a:effectRef>
+          <a:fontRef idx="minor">
+            <a:schemeClr val="dk1"/>
+          </a:fontRef>
+        </p:style>
+        <p:txBody>
+          <a:bodyPr wrap="square" lIns="91440" tIns="45720" rIns="91440" bIns="45720">
+            <a:spAutoFit/>
+          </a:bodyPr>
+          <a:lstStyle/>
+          <a:p>
+            <a:pPr algn="ctr"/>
+            <a:r>
+              <a:rPr lang="en-US" sz="2400" b="0" cap="none" spc="0" dirty="0">
+                <a:ln w="0"/>
+                <a:solidFill>
+                  <a:schemeClr val="tx1"/>
+                </a:solidFill>
+              </a:rPr>
+              <a:t>Classification loss</a:t>
+            </a:r>
+          </a:p>
+        </p:txBody>
+      </p:sp>
+      <p:sp>
+        <p:nvSpPr>
+          <p:cNvPr id="54" name="Cube 53">
+            <a:extLst>
+              <a:ext uri="{FF2B5EF4-FFF2-40B4-BE49-F238E27FC236}">
+                <a16:creationId xmlns:a16="http://schemas.microsoft.com/office/drawing/2014/main" id="{794A4521-DF92-4FDE-A65E-E9260FA3BBE7}"/>
+              </a:ext>
+            </a:extLst>
+          </p:cNvPr>
+          <p:cNvSpPr/>
+          <p:nvPr/>
+        </p:nvSpPr>
+        <p:spPr>
+          <a:xfrm>
+            <a:off x="5487726" y="2057546"/>
+            <a:ext cx="1348674" cy="1414918"/>
+          </a:xfrm>
+          <a:prstGeom prst="cube">
+            <a:avLst/>
+          </a:prstGeom>
+          <a:solidFill>
+            <a:schemeClr val="bg1">
+              <a:lumMod val="95000"/>
+              <a:alpha val="50000"/>
+            </a:schemeClr>
+          </a:solidFill>
+          <a:ln w="28575">
+            <a:solidFill>
+              <a:schemeClr val="accent1"/>
+            </a:solidFill>
+          </a:ln>
+        </p:spPr>
+        <p:style>
+          <a:lnRef idx="0">
+            <a:scrgbClr r="0" g="0" b="0"/>
+          </a:lnRef>
+          <a:fillRef idx="0">
+            <a:scrgbClr r="0" g="0" b="0"/>
+          </a:fillRef>
+          <a:effectRef idx="0">
+            <a:scrgbClr r="0" g="0" b="0"/>
+          </a:effectRef>
+          <a:fontRef idx="minor">
+            <a:schemeClr val="lt1"/>
+          </a:fontRef>
+        </p:style>
+        <p:txBody>
+          <a:bodyPr rtlCol="0" anchor="ctr"/>
+          <a:lstStyle/>
+          <a:p>
+            <a:pPr algn="ctr"/>
+            <a:r>
+              <a:rPr lang="da-DK" sz="3200" dirty="0">
+                <a:solidFill>
+                  <a:schemeClr val="tx1"/>
+                </a:solidFill>
+              </a:rPr>
+              <a:t>CNN</a:t>
+            </a:r>
+            <a:endParaRPr lang="en-US" sz="3200" dirty="0">
+              <a:solidFill>
+                <a:schemeClr val="tx1"/>
+              </a:solidFill>
+            </a:endParaRPr>
+          </a:p>
+        </p:txBody>
+      </p:sp>
+      <p:sp>
+        <p:nvSpPr>
+          <p:cNvPr id="51" name="Arrow: Up 50">
+            <a:extLst>
+              <a:ext uri="{FF2B5EF4-FFF2-40B4-BE49-F238E27FC236}">
+                <a16:creationId xmlns:a16="http://schemas.microsoft.com/office/drawing/2014/main" id="{2AF17345-C2FA-4B14-ABA6-23F78584094B}"/>
+              </a:ext>
+            </a:extLst>
+          </p:cNvPr>
+          <p:cNvSpPr/>
+          <p:nvPr/>
+        </p:nvSpPr>
+        <p:spPr>
+          <a:xfrm rot="1997109">
+            <a:off x="6239384" y="1758197"/>
+            <a:ext cx="298580" cy="351325"/>
+          </a:xfrm>
+          <a:prstGeom prst="upArrow">
+            <a:avLst/>
+          </a:prstGeom>
+        </p:spPr>
+        <p:style>
+          <a:lnRef idx="2">
+            <a:schemeClr val="accent1">
+              <a:shade val="50000"/>
+            </a:schemeClr>
+          </a:lnRef>
+          <a:fillRef idx="1">
+            <a:schemeClr val="accent1"/>
+          </a:fillRef>
+          <a:effectRef idx="0">
+            <a:schemeClr val="accent1"/>
+          </a:effectRef>
+          <a:fontRef idx="minor">
+            <a:schemeClr val="lt1"/>
+          </a:fontRef>
+        </p:style>
+        <p:txBody>
+          <a:bodyPr rtlCol="0" anchor="ctr"/>
+          <a:lstStyle/>
+          <a:p>
+            <a:pPr algn="ctr"/>
+            <a:endParaRPr lang="en-US"/>
+          </a:p>
+        </p:txBody>
+      </p:sp>
+      <p:sp>
+        <p:nvSpPr>
+          <p:cNvPr id="50" name="Arrow: Up 49">
+            <a:extLst>
+              <a:ext uri="{FF2B5EF4-FFF2-40B4-BE49-F238E27FC236}">
+                <a16:creationId xmlns:a16="http://schemas.microsoft.com/office/drawing/2014/main" id="{ECBF12D0-321C-4938-8D85-A3C566A8ECC9}"/>
+              </a:ext>
+            </a:extLst>
+          </p:cNvPr>
+          <p:cNvSpPr/>
+          <p:nvPr/>
+        </p:nvSpPr>
+        <p:spPr>
+          <a:xfrm rot="19528455">
+            <a:off x="5618271" y="1737268"/>
+            <a:ext cx="298580" cy="374661"/>
+          </a:xfrm>
+          <a:prstGeom prst="upArrow">
+            <a:avLst/>
+          </a:prstGeom>
+        </p:spPr>
+        <p:style>
+          <a:lnRef idx="2">
+            <a:schemeClr val="accent1">
+              <a:shade val="50000"/>
+            </a:schemeClr>
+          </a:lnRef>
+          <a:fillRef idx="1">
+            <a:schemeClr val="accent1"/>
+          </a:fillRef>
+          <a:effectRef idx="0">
+            <a:schemeClr val="accent1"/>
+          </a:effectRef>
+          <a:fontRef idx="minor">
+            <a:schemeClr val="lt1"/>
+          </a:fontRef>
+        </p:style>
+        <p:txBody>
+          <a:bodyPr rtlCol="0" anchor="ctr"/>
+          <a:lstStyle/>
+          <a:p>
+            <a:pPr algn="ctr"/>
+            <a:endParaRPr lang="en-US" dirty="0"/>
+          </a:p>
+        </p:txBody>
+      </p:sp>
+      <p:sp>
+        <p:nvSpPr>
+          <p:cNvPr id="55" name="Cube 54">
+            <a:extLst>
+              <a:ext uri="{FF2B5EF4-FFF2-40B4-BE49-F238E27FC236}">
+                <a16:creationId xmlns:a16="http://schemas.microsoft.com/office/drawing/2014/main" id="{AEEA4069-781A-4EAF-B884-EF3AECB083A7}"/>
+              </a:ext>
+            </a:extLst>
+          </p:cNvPr>
+          <p:cNvSpPr/>
+          <p:nvPr/>
+        </p:nvSpPr>
+        <p:spPr>
+          <a:xfrm>
+            <a:off x="8399404" y="1170502"/>
+            <a:ext cx="1348674" cy="1414918"/>
+          </a:xfrm>
+          <a:prstGeom prst="cube">
+            <a:avLst/>
+          </a:prstGeom>
+          <a:solidFill>
+            <a:schemeClr val="bg1">
+              <a:lumMod val="95000"/>
+              <a:alpha val="50000"/>
+            </a:schemeClr>
+          </a:solidFill>
+          <a:ln w="28575">
+            <a:solidFill>
+              <a:schemeClr val="accent1"/>
+            </a:solidFill>
+          </a:ln>
+        </p:spPr>
+        <p:style>
+          <a:lnRef idx="0">
+            <a:scrgbClr r="0" g="0" b="0"/>
+          </a:lnRef>
+          <a:fillRef idx="0">
+            <a:scrgbClr r="0" g="0" b="0"/>
+          </a:fillRef>
+          <a:effectRef idx="0">
+            <a:scrgbClr r="0" g="0" b="0"/>
+          </a:effectRef>
+          <a:fontRef idx="minor">
+            <a:schemeClr val="lt1"/>
+          </a:fontRef>
+        </p:style>
+        <p:txBody>
+          <a:bodyPr rtlCol="0" anchor="ctr"/>
+          <a:lstStyle/>
+          <a:p>
+            <a:pPr algn="ctr"/>
+            <a:r>
+              <a:rPr lang="da-DK" sz="3200" dirty="0">
+                <a:solidFill>
+                  <a:schemeClr val="tx1"/>
+                </a:solidFill>
+              </a:rPr>
+              <a:t>CNN</a:t>
+            </a:r>
+            <a:endParaRPr lang="en-US" sz="3200" dirty="0">
+              <a:solidFill>
+                <a:schemeClr val="tx1"/>
+              </a:solidFill>
+            </a:endParaRPr>
+          </a:p>
+        </p:txBody>
+      </p:sp>
+      <p:sp>
+        <p:nvSpPr>
+          <p:cNvPr id="40" name="Arrow: Up 39">
+            <a:extLst>
+              <a:ext uri="{FF2B5EF4-FFF2-40B4-BE49-F238E27FC236}">
+                <a16:creationId xmlns:a16="http://schemas.microsoft.com/office/drawing/2014/main" id="{ECA730A3-CDB1-412B-9041-17542D63A32E}"/>
+              </a:ext>
+            </a:extLst>
+          </p:cNvPr>
+          <p:cNvSpPr/>
+          <p:nvPr/>
+        </p:nvSpPr>
+        <p:spPr>
+          <a:xfrm rot="19528455">
+            <a:off x="8524542" y="838406"/>
+            <a:ext cx="298580" cy="374661"/>
+          </a:xfrm>
+          <a:prstGeom prst="upArrow">
+            <a:avLst/>
+          </a:prstGeom>
+        </p:spPr>
+        <p:style>
+          <a:lnRef idx="2">
+            <a:schemeClr val="accent1">
+              <a:shade val="50000"/>
+            </a:schemeClr>
+          </a:lnRef>
+          <a:fillRef idx="1">
+            <a:schemeClr val="accent1"/>
+          </a:fillRef>
+          <a:effectRef idx="0">
+            <a:schemeClr val="accent1"/>
+          </a:effectRef>
+          <a:fontRef idx="minor">
+            <a:schemeClr val="lt1"/>
+          </a:fontRef>
+        </p:style>
+        <p:txBody>
+          <a:bodyPr rtlCol="0" anchor="ctr"/>
+          <a:lstStyle/>
+          <a:p>
+            <a:pPr algn="ctr"/>
+            <a:endParaRPr lang="en-US" dirty="0"/>
+          </a:p>
+        </p:txBody>
+      </p:sp>
+      <p:sp>
+        <p:nvSpPr>
+          <p:cNvPr id="41" name="Arrow: Up 40">
+            <a:extLst>
+              <a:ext uri="{FF2B5EF4-FFF2-40B4-BE49-F238E27FC236}">
+                <a16:creationId xmlns:a16="http://schemas.microsoft.com/office/drawing/2014/main" id="{C64F7CC2-AD74-481A-906F-0C22E257A28C}"/>
+              </a:ext>
+            </a:extLst>
+          </p:cNvPr>
+          <p:cNvSpPr/>
+          <p:nvPr/>
+        </p:nvSpPr>
+        <p:spPr>
+          <a:xfrm rot="1997109">
+            <a:off x="9145655" y="859335"/>
+            <a:ext cx="298580" cy="351325"/>
+          </a:xfrm>
+          <a:prstGeom prst="upArrow">
+            <a:avLst/>
+          </a:prstGeom>
+        </p:spPr>
+        <p:style>
+          <a:lnRef idx="2">
+            <a:schemeClr val="accent1">
+              <a:shade val="50000"/>
+            </a:schemeClr>
+          </a:lnRef>
+          <a:fillRef idx="1">
+            <a:schemeClr val="accent1"/>
+          </a:fillRef>
+          <a:effectRef idx="0">
+            <a:schemeClr val="accent1"/>
+          </a:effectRef>
+          <a:fontRef idx="minor">
+            <a:schemeClr val="lt1"/>
+          </a:fontRef>
+        </p:style>
+        <p:txBody>
+          <a:bodyPr rtlCol="0" anchor="ctr"/>
+          <a:lstStyle/>
+          <a:p>
+            <a:pPr algn="ctr"/>
+            <a:endParaRPr lang="en-US"/>
+          </a:p>
+        </p:txBody>
+      </p:sp>
     </p:spTree>
     <p:extLst>
       <p:ext uri="{BB962C8B-B14F-4D97-AF65-F5344CB8AC3E}">
@@ -5334,24 +5186,29 @@
             <a:avLst/>
           </a:prstGeom>
           <a:solidFill>
-            <a:schemeClr val="lt1">
-              <a:alpha val="70000"/>
+            <a:schemeClr val="bg1">
+              <a:lumMod val="95000"/>
+              <a:alpha val="50000"/>
             </a:schemeClr>
           </a:solidFill>
-          <a:ln/>
+          <a:ln w="28575">
+            <a:solidFill>
+              <a:schemeClr val="accent1"/>
+            </a:solidFill>
+          </a:ln>
         </p:spPr>
         <p:style>
-          <a:lnRef idx="2">
-            <a:schemeClr val="accent5"/>
+          <a:lnRef idx="0">
+            <a:scrgbClr r="0" g="0" b="0"/>
           </a:lnRef>
-          <a:fillRef idx="1">
-            <a:schemeClr val="lt1"/>
+          <a:fillRef idx="0">
+            <a:scrgbClr r="0" g="0" b="0"/>
           </a:fillRef>
           <a:effectRef idx="0">
-            <a:schemeClr val="accent5"/>
+            <a:scrgbClr r="0" g="0" b="0"/>
           </a:effectRef>
           <a:fontRef idx="minor">
-            <a:schemeClr val="dk1"/>
+            <a:schemeClr val="lt1"/>
           </a:fontRef>
         </p:style>
         <p:txBody>
@@ -5360,10 +5217,18 @@
           <a:p>
             <a:pPr algn="ctr"/>
             <a:r>
-              <a:rPr lang="da-DK" dirty="0"/>
+              <a:rPr lang="da-DK" sz="3200" dirty="0">
+                <a:solidFill>
+                  <a:schemeClr val="tx1"/>
+                </a:solidFill>
+              </a:rPr>
               <a:t>CNN</a:t>
             </a:r>
-            <a:endParaRPr lang="en-US" dirty="0"/>
+            <a:endParaRPr lang="en-US" sz="3200" dirty="0">
+              <a:solidFill>
+                <a:schemeClr val="tx1"/>
+              </a:solidFill>
+            </a:endParaRPr>
           </a:p>
         </p:txBody>
       </p:sp>
@@ -5658,8 +5523,8 @@
         </p:nvSpPr>
         <p:spPr>
           <a:xfrm>
-            <a:off x="6525150" y="1575561"/>
-            <a:ext cx="2857321" cy="400110"/>
+            <a:off x="6561389" y="1553866"/>
+            <a:ext cx="3594314" cy="584775"/>
           </a:xfrm>
           <a:prstGeom prst="rect">
             <a:avLst/>
@@ -5674,34 +5539,20 @@
           <a:p>
             <a:pPr algn="ctr"/>
             <a:r>
-              <a:rPr lang="en-US" sz="2000" cap="none" spc="0" dirty="0" err="1">
+              <a:rPr lang="en-US" sz="3200" cap="none" spc="0" dirty="0" err="1">
                 <a:ln w="0"/>
                 <a:solidFill>
                   <a:schemeClr val="tx1"/>
                 </a:solidFill>
-                <a:effectLst>
-                  <a:outerShdw blurRad="38100" dist="19050" dir="2700000" algn="tl" rotWithShape="0">
-                    <a:schemeClr val="dk1">
-                      <a:alpha val="40000"/>
-                    </a:schemeClr>
-                  </a:outerShdw>
-                </a:effectLst>
               </a:rPr>
               <a:t>RoI</a:t>
             </a:r>
             <a:r>
-              <a:rPr lang="en-US" sz="2000" cap="none" spc="0" dirty="0">
+              <a:rPr lang="en-US" sz="3200" cap="none" spc="0" dirty="0">
                 <a:ln w="0"/>
                 <a:solidFill>
                   <a:schemeClr val="tx1"/>
                 </a:solidFill>
-                <a:effectLst>
-                  <a:outerShdw blurRad="38100" dist="19050" dir="2700000" algn="tl" rotWithShape="0">
-                    <a:schemeClr val="dk1">
-                      <a:alpha val="40000"/>
-                    </a:schemeClr>
-                  </a:outerShdw>
-                </a:effectLst>
               </a:rPr>
               <a:t> Pooling layer</a:t>
             </a:r>
@@ -5722,12 +5573,13 @@
         </p:nvSpPr>
         <p:spPr>
           <a:xfrm>
-            <a:off x="4862284" y="767187"/>
-            <a:ext cx="2458286" cy="400110"/>
+            <a:off x="5278581" y="645944"/>
+            <a:ext cx="1634838" cy="584775"/>
           </a:xfrm>
           <a:prstGeom prst="rect">
             <a:avLst/>
           </a:prstGeom>
+          <a:ln w="28575"/>
         </p:spPr>
         <p:style>
           <a:lnRef idx="2">
@@ -5751,7 +5603,7 @@
           <a:p>
             <a:pPr algn="ctr"/>
             <a:r>
-              <a:rPr lang="en-US" sz="2000" cap="none" spc="0" dirty="0">
+              <a:rPr lang="en-US" sz="3200" cap="none" spc="0" dirty="0">
                 <a:ln w="0"/>
                 <a:solidFill>
                   <a:schemeClr val="tx1"/>
@@ -5771,10 +5623,10 @@
       </p:sp>
       <p:sp>
         <p:nvSpPr>
-          <p:cNvPr id="21" name="Arrow: Up 20">
-            <a:extLst>
-              <a:ext uri="{FF2B5EF4-FFF2-40B4-BE49-F238E27FC236}">
-                <a16:creationId xmlns:a16="http://schemas.microsoft.com/office/drawing/2014/main" id="{9916D87B-DFB5-4917-95AE-772A888F5245}"/>
+          <p:cNvPr id="22" name="Arrow: Up 21">
+            <a:extLst>
+              <a:ext uri="{FF2B5EF4-FFF2-40B4-BE49-F238E27FC236}">
+                <a16:creationId xmlns:a16="http://schemas.microsoft.com/office/drawing/2014/main" id="{AC981E84-EF5E-459D-9044-0FBBD2A90A06}"/>
               </a:ext>
             </a:extLst>
           </p:cNvPr>
@@ -5782,9 +5634,9 @@
           <p:nvPr/>
         </p:nvSpPr>
         <p:spPr>
-          <a:xfrm>
-            <a:off x="5367545" y="315746"/>
-            <a:ext cx="298580" cy="374661"/>
+          <a:xfrm rot="2174202">
+            <a:off x="6412099" y="220065"/>
+            <a:ext cx="298580" cy="351325"/>
           </a:xfrm>
           <a:prstGeom prst="upArrow">
             <a:avLst/>
@@ -5811,16 +5663,16 @@
           <a:lstStyle/>
           <a:p>
             <a:pPr algn="ctr"/>
-            <a:endParaRPr lang="en-US" dirty="0"/>
-          </a:p>
-        </p:txBody>
-      </p:sp>
-      <p:sp>
-        <p:nvSpPr>
-          <p:cNvPr id="22" name="Arrow: Up 21">
-            <a:extLst>
-              <a:ext uri="{FF2B5EF4-FFF2-40B4-BE49-F238E27FC236}">
-                <a16:creationId xmlns:a16="http://schemas.microsoft.com/office/drawing/2014/main" id="{AC981E84-EF5E-459D-9044-0FBBD2A90A06}"/>
+            <a:endParaRPr lang="en-US"/>
+          </a:p>
+        </p:txBody>
+      </p:sp>
+      <p:sp>
+        <p:nvSpPr>
+          <p:cNvPr id="26" name="Cube 25">
+            <a:extLst>
+              <a:ext uri="{FF2B5EF4-FFF2-40B4-BE49-F238E27FC236}">
+                <a16:creationId xmlns:a16="http://schemas.microsoft.com/office/drawing/2014/main" id="{A1D7F245-DA72-4D5D-9D97-0F2A855EFFF1}"/>
               </a:ext>
             </a:extLst>
           </p:cNvPr>
@@ -5829,11 +5681,105 @@
         </p:nvSpPr>
         <p:spPr>
           <a:xfrm>
-            <a:off x="6525876" y="327415"/>
-            <a:ext cx="298580" cy="351325"/>
+            <a:off x="5758199" y="4176804"/>
+            <a:ext cx="2399702" cy="1877426"/>
+          </a:xfrm>
+          <a:prstGeom prst="cube">
+            <a:avLst/>
+          </a:prstGeom>
+          <a:solidFill>
+            <a:schemeClr val="bg1">
+              <a:lumMod val="95000"/>
+              <a:alpha val="50000"/>
+            </a:schemeClr>
+          </a:solidFill>
+          <a:ln w="28575">
+            <a:solidFill>
+              <a:schemeClr val="accent1"/>
+            </a:solidFill>
+          </a:ln>
+        </p:spPr>
+        <p:style>
+          <a:lnRef idx="0">
+            <a:scrgbClr r="0" g="0" b="0"/>
+          </a:lnRef>
+          <a:fillRef idx="0">
+            <a:scrgbClr r="0" g="0" b="0"/>
+          </a:fillRef>
+          <a:effectRef idx="0">
+            <a:scrgbClr r="0" g="0" b="0"/>
+          </a:effectRef>
+          <a:fontRef idx="minor">
+            <a:schemeClr val="lt1"/>
+          </a:fontRef>
+        </p:style>
+        <p:txBody>
+          <a:bodyPr rtlCol="0" anchor="ctr"/>
+          <a:lstStyle/>
+          <a:p>
+            <a:pPr algn="ctr"/>
+            <a:r>
+              <a:rPr lang="da-DK" sz="3200" dirty="0">
+                <a:solidFill>
+                  <a:schemeClr val="tx1"/>
+                </a:solidFill>
+              </a:rPr>
+              <a:t>Region </a:t>
+            </a:r>
+            <a:r>
+              <a:rPr lang="da-DK" sz="3200" dirty="0" err="1">
+                <a:solidFill>
+                  <a:schemeClr val="tx1"/>
+                </a:solidFill>
+              </a:rPr>
+              <a:t>proposal</a:t>
+            </a:r>
+            <a:r>
+              <a:rPr lang="da-DK" sz="3200" dirty="0">
+                <a:solidFill>
+                  <a:schemeClr val="tx1"/>
+                </a:solidFill>
+              </a:rPr>
+              <a:t> </a:t>
+            </a:r>
+            <a:r>
+              <a:rPr lang="da-DK" sz="3200" dirty="0" err="1">
+                <a:solidFill>
+                  <a:schemeClr val="tx1"/>
+                </a:solidFill>
+              </a:rPr>
+              <a:t>method</a:t>
+            </a:r>
+            <a:endParaRPr lang="en-US" sz="3200" dirty="0">
+              <a:solidFill>
+                <a:schemeClr val="tx1"/>
+              </a:solidFill>
+            </a:endParaRPr>
+          </a:p>
+        </p:txBody>
+      </p:sp>
+      <p:sp>
+        <p:nvSpPr>
+          <p:cNvPr id="27" name="Arrow: Up 26">
+            <a:extLst>
+              <a:ext uri="{FF2B5EF4-FFF2-40B4-BE49-F238E27FC236}">
+                <a16:creationId xmlns:a16="http://schemas.microsoft.com/office/drawing/2014/main" id="{53715EDE-95C6-485B-AAA1-468AFCA85B8F}"/>
+              </a:ext>
+            </a:extLst>
+          </p:cNvPr>
+          <p:cNvSpPr/>
+          <p:nvPr/>
+        </p:nvSpPr>
+        <p:spPr>
+          <a:xfrm>
+            <a:off x="6672076" y="3554603"/>
+            <a:ext cx="461885" cy="842578"/>
           </a:xfrm>
           <a:prstGeom prst="upArrow">
-            <a:avLst/>
+            <a:avLst>
+              <a:gd name="adj1" fmla="val 50000"/>
+              <a:gd name="adj2" fmla="val 64599"/>
+            </a:avLst>
           </a:prstGeom>
         </p:spPr>
         <p:style>
@@ -5863,10 +5809,10 @@
       </p:sp>
       <p:sp>
         <p:nvSpPr>
-          <p:cNvPr id="23" name="Rectangle 22">
-            <a:extLst>
-              <a:ext uri="{FF2B5EF4-FFF2-40B4-BE49-F238E27FC236}">
-                <a16:creationId xmlns:a16="http://schemas.microsoft.com/office/drawing/2014/main" id="{4605D83F-6135-4195-8A3D-9A2FA3819CFF}"/>
+          <p:cNvPr id="31" name="Arrow: Up 30">
+            <a:extLst>
+              <a:ext uri="{FF2B5EF4-FFF2-40B4-BE49-F238E27FC236}">
+                <a16:creationId xmlns:a16="http://schemas.microsoft.com/office/drawing/2014/main" id="{B405ED72-1D58-4185-90E7-9F1DDAF8ADE9}"/>
               </a:ext>
             </a:extLst>
           </p:cNvPr>
@@ -5875,221 +5821,11 @@
         </p:nvSpPr>
         <p:spPr>
           <a:xfrm>
-            <a:off x="4862285" y="-230839"/>
-            <a:ext cx="1130581" cy="523220"/>
-          </a:xfrm>
-          <a:prstGeom prst="rect">
-            <a:avLst/>
-          </a:prstGeom>
-        </p:spPr>
-        <p:style>
-          <a:lnRef idx="2">
-            <a:schemeClr val="accent5"/>
-          </a:lnRef>
-          <a:fillRef idx="1">
-            <a:schemeClr val="lt1"/>
-          </a:fillRef>
-          <a:effectRef idx="0">
-            <a:schemeClr val="accent5"/>
-          </a:effectRef>
-          <a:fontRef idx="minor">
-            <a:schemeClr val="dk1"/>
-          </a:fontRef>
-        </p:style>
-        <p:txBody>
-          <a:bodyPr wrap="square" lIns="91440" tIns="45720" rIns="91440" bIns="45720">
-            <a:spAutoFit/>
-          </a:bodyPr>
-          <a:lstStyle/>
-          <a:p>
-            <a:pPr algn="ctr"/>
-            <a:r>
-              <a:rPr lang="en-US" sz="1400" b="0" cap="none" spc="0" dirty="0">
-                <a:ln w="0"/>
-                <a:solidFill>
-                  <a:schemeClr val="tx1"/>
-                </a:solidFill>
-                <a:effectLst>
-                  <a:outerShdw blurRad="38100" dist="19050" dir="2700000" algn="tl" rotWithShape="0">
-                    <a:schemeClr val="dk1">
-                      <a:alpha val="40000"/>
-                    </a:schemeClr>
-                  </a:outerShdw>
-                </a:effectLst>
-              </a:rPr>
-              <a:t>Classification loss</a:t>
-            </a:r>
-          </a:p>
-        </p:txBody>
-      </p:sp>
-      <p:sp>
-        <p:nvSpPr>
-          <p:cNvPr id="24" name="Rectangle 23">
-            <a:extLst>
-              <a:ext uri="{FF2B5EF4-FFF2-40B4-BE49-F238E27FC236}">
-                <a16:creationId xmlns:a16="http://schemas.microsoft.com/office/drawing/2014/main" id="{2FCD3A89-7C30-4CC0-8D60-A7F2B0BC27A5}"/>
-              </a:ext>
-            </a:extLst>
-          </p:cNvPr>
-          <p:cNvSpPr/>
-          <p:nvPr/>
-        </p:nvSpPr>
-        <p:spPr>
-          <a:xfrm>
-            <a:off x="6038235" y="-230839"/>
-            <a:ext cx="1282335" cy="523220"/>
-          </a:xfrm>
-          <a:prstGeom prst="rect">
-            <a:avLst/>
-          </a:prstGeom>
-        </p:spPr>
-        <p:style>
-          <a:lnRef idx="2">
-            <a:schemeClr val="accent5"/>
-          </a:lnRef>
-          <a:fillRef idx="1">
-            <a:schemeClr val="lt1"/>
-          </a:fillRef>
-          <a:effectRef idx="0">
-            <a:schemeClr val="accent5"/>
-          </a:effectRef>
-          <a:fontRef idx="minor">
-            <a:schemeClr val="dk1"/>
-          </a:fontRef>
-        </p:style>
-        <p:txBody>
-          <a:bodyPr wrap="square" lIns="91440" tIns="45720" rIns="91440" bIns="45720">
-            <a:spAutoFit/>
-          </a:bodyPr>
-          <a:lstStyle/>
-          <a:p>
-            <a:pPr algn="ctr"/>
-            <a:r>
-              <a:rPr lang="en-US" sz="1400" b="0" cap="none" spc="0" dirty="0">
-                <a:ln w="0"/>
-                <a:solidFill>
-                  <a:schemeClr val="tx1"/>
-                </a:solidFill>
-                <a:effectLst>
-                  <a:outerShdw blurRad="38100" dist="19050" dir="2700000" algn="tl" rotWithShape="0">
-                    <a:schemeClr val="dk1">
-                      <a:alpha val="40000"/>
-                    </a:schemeClr>
-                  </a:outerShdw>
-                </a:effectLst>
-              </a:rPr>
-              <a:t>Bounding Box</a:t>
-            </a:r>
-          </a:p>
-          <a:p>
-            <a:pPr algn="ctr"/>
-            <a:r>
-              <a:rPr lang="en-US" sz="1400" b="0" cap="none" spc="0" dirty="0">
-                <a:ln w="0"/>
-                <a:solidFill>
-                  <a:schemeClr val="tx1"/>
-                </a:solidFill>
-                <a:effectLst>
-                  <a:outerShdw blurRad="38100" dist="19050" dir="2700000" algn="tl" rotWithShape="0">
-                    <a:schemeClr val="dk1">
-                      <a:alpha val="40000"/>
-                    </a:schemeClr>
-                  </a:outerShdw>
-                </a:effectLst>
-              </a:rPr>
-              <a:t>Regression loss</a:t>
-            </a:r>
-          </a:p>
-        </p:txBody>
-      </p:sp>
-      <p:sp>
-        <p:nvSpPr>
-          <p:cNvPr id="26" name="Cube 25">
-            <a:extLst>
-              <a:ext uri="{FF2B5EF4-FFF2-40B4-BE49-F238E27FC236}">
-                <a16:creationId xmlns:a16="http://schemas.microsoft.com/office/drawing/2014/main" id="{A1D7F245-DA72-4D5D-9D97-0F2A855EFFF1}"/>
-              </a:ext>
-            </a:extLst>
-          </p:cNvPr>
-          <p:cNvSpPr/>
-          <p:nvPr/>
-        </p:nvSpPr>
-        <p:spPr>
-          <a:xfrm>
-            <a:off x="5758199" y="4176804"/>
-            <a:ext cx="2399702" cy="1877426"/>
-          </a:xfrm>
-          <a:prstGeom prst="cube">
-            <a:avLst/>
-          </a:prstGeom>
-          <a:solidFill>
-            <a:schemeClr val="lt1">
-              <a:alpha val="70000"/>
-            </a:schemeClr>
-          </a:solidFill>
-          <a:ln/>
-        </p:spPr>
-        <p:style>
-          <a:lnRef idx="2">
-            <a:schemeClr val="accent6"/>
-          </a:lnRef>
-          <a:fillRef idx="1">
-            <a:schemeClr val="lt1"/>
-          </a:fillRef>
-          <a:effectRef idx="0">
-            <a:schemeClr val="accent6"/>
-          </a:effectRef>
-          <a:fontRef idx="minor">
-            <a:schemeClr val="dk1"/>
-          </a:fontRef>
-        </p:style>
-        <p:txBody>
-          <a:bodyPr rtlCol="0" anchor="ctr"/>
-          <a:lstStyle/>
-          <a:p>
-            <a:pPr algn="ctr"/>
-            <a:r>
-              <a:rPr lang="da-DK" dirty="0"/>
-              <a:t>Region </a:t>
-            </a:r>
-            <a:r>
-              <a:rPr lang="da-DK" dirty="0" err="1"/>
-              <a:t>proposal</a:t>
-            </a:r>
-            <a:r>
-              <a:rPr lang="da-DK" dirty="0"/>
-              <a:t> </a:t>
-            </a:r>
-            <a:r>
-              <a:rPr lang="da-DK" dirty="0" err="1"/>
-              <a:t>method</a:t>
-            </a:r>
-            <a:endParaRPr lang="en-US" dirty="0"/>
-          </a:p>
-        </p:txBody>
-      </p:sp>
-      <p:sp>
-        <p:nvSpPr>
-          <p:cNvPr id="27" name="Arrow: Up 26">
-            <a:extLst>
-              <a:ext uri="{FF2B5EF4-FFF2-40B4-BE49-F238E27FC236}">
-                <a16:creationId xmlns:a16="http://schemas.microsoft.com/office/drawing/2014/main" id="{53715EDE-95C6-485B-AAA1-468AFCA85B8F}"/>
-              </a:ext>
-            </a:extLst>
-          </p:cNvPr>
-          <p:cNvSpPr/>
-          <p:nvPr/>
-        </p:nvSpPr>
-        <p:spPr>
-          <a:xfrm>
-            <a:off x="6672076" y="3554603"/>
-            <a:ext cx="461885" cy="842578"/>
+            <a:off x="5252364" y="2074891"/>
+            <a:ext cx="251750" cy="875916"/>
           </a:xfrm>
           <a:prstGeom prst="upArrow">
-            <a:avLst>
-              <a:gd name="adj1" fmla="val 50000"/>
-              <a:gd name="adj2" fmla="val 64599"/>
-            </a:avLst>
+            <a:avLst/>
           </a:prstGeom>
         </p:spPr>
         <p:style>
@@ -6119,10 +5855,10 @@
       </p:sp>
       <p:sp>
         <p:nvSpPr>
-          <p:cNvPr id="28" name="Arrow: Up 27">
-            <a:extLst>
-              <a:ext uri="{FF2B5EF4-FFF2-40B4-BE49-F238E27FC236}">
-                <a16:creationId xmlns:a16="http://schemas.microsoft.com/office/drawing/2014/main" id="{DC0A25B2-B85F-4641-9BBE-583920A0A85F}"/>
+          <p:cNvPr id="32" name="Arrow: Up 31">
+            <a:extLst>
+              <a:ext uri="{FF2B5EF4-FFF2-40B4-BE49-F238E27FC236}">
+                <a16:creationId xmlns:a16="http://schemas.microsoft.com/office/drawing/2014/main" id="{4B525990-A6EE-4464-B4BC-E0121E001993}"/>
               </a:ext>
             </a:extLst>
           </p:cNvPr>
@@ -6131,8 +5867,8 @@
         </p:nvSpPr>
         <p:spPr>
           <a:xfrm>
-            <a:off x="5435627" y="1205780"/>
-            <a:ext cx="251750" cy="438034"/>
+            <a:off x="5720166" y="2074891"/>
+            <a:ext cx="251750" cy="1011131"/>
           </a:xfrm>
           <a:prstGeom prst="upArrow">
             <a:avLst/>
@@ -6165,10 +5901,10 @@
       </p:sp>
       <p:sp>
         <p:nvSpPr>
-          <p:cNvPr id="31" name="Arrow: Up 30">
-            <a:extLst>
-              <a:ext uri="{FF2B5EF4-FFF2-40B4-BE49-F238E27FC236}">
-                <a16:creationId xmlns:a16="http://schemas.microsoft.com/office/drawing/2014/main" id="{B405ED72-1D58-4185-90E7-9F1DDAF8ADE9}"/>
+          <p:cNvPr id="33" name="Arrow: Up 32">
+            <a:extLst>
+              <a:ext uri="{FF2B5EF4-FFF2-40B4-BE49-F238E27FC236}">
+                <a16:creationId xmlns:a16="http://schemas.microsoft.com/office/drawing/2014/main" id="{314143C8-4AC6-4F2B-A215-43F24BE10A7B}"/>
               </a:ext>
             </a:extLst>
           </p:cNvPr>
@@ -6176,9 +5912,9 @@
           <p:nvPr/>
         </p:nvSpPr>
         <p:spPr>
-          <a:xfrm>
-            <a:off x="5252364" y="2074891"/>
-            <a:ext cx="251750" cy="875916"/>
+          <a:xfrm rot="1385260">
+            <a:off x="6183920" y="2066361"/>
+            <a:ext cx="251750" cy="609445"/>
           </a:xfrm>
           <a:prstGeom prst="upArrow">
             <a:avLst/>
@@ -6211,10 +5947,10 @@
       </p:sp>
       <p:sp>
         <p:nvSpPr>
-          <p:cNvPr id="32" name="Arrow: Up 31">
-            <a:extLst>
-              <a:ext uri="{FF2B5EF4-FFF2-40B4-BE49-F238E27FC236}">
-                <a16:creationId xmlns:a16="http://schemas.microsoft.com/office/drawing/2014/main" id="{4B525990-A6EE-4464-B4BC-E0121E001993}"/>
+          <p:cNvPr id="36" name="Rectangle 35">
+            <a:extLst>
+              <a:ext uri="{FF2B5EF4-FFF2-40B4-BE49-F238E27FC236}">
+                <a16:creationId xmlns:a16="http://schemas.microsoft.com/office/drawing/2014/main" id="{912BAB55-C974-4F61-9567-0A8CE348471D}"/>
               </a:ext>
             </a:extLst>
           </p:cNvPr>
@@ -6223,8 +5959,117 @@
         </p:nvSpPr>
         <p:spPr>
           <a:xfrm>
-            <a:off x="5720166" y="2074891"/>
-            <a:ext cx="251750" cy="1011131"/>
+            <a:off x="7856138" y="2321682"/>
+            <a:ext cx="2857321" cy="1077218"/>
+          </a:xfrm>
+          <a:prstGeom prst="rect">
+            <a:avLst/>
+          </a:prstGeom>
+          <a:noFill/>
+        </p:spPr>
+        <p:txBody>
+          <a:bodyPr wrap="square" lIns="91440" tIns="45720" rIns="91440" bIns="45720">
+            <a:spAutoFit/>
+          </a:bodyPr>
+          <a:lstStyle/>
+          <a:p>
+            <a:pPr algn="ctr"/>
+            <a:r>
+              <a:rPr lang="da-DK" sz="3200" dirty="0">
+                <a:ln w="0"/>
+              </a:rPr>
+              <a:t>F</a:t>
+            </a:r>
+            <a:r>
+              <a:rPr lang="en-US" sz="3200" dirty="0" err="1">
+                <a:ln w="0"/>
+              </a:rPr>
+              <a:t>eature</a:t>
+            </a:r>
+            <a:endParaRPr lang="en-US" sz="3200" dirty="0">
+              <a:ln w="0"/>
+            </a:endParaRPr>
+          </a:p>
+          <a:p>
+            <a:pPr algn="ctr"/>
+            <a:r>
+              <a:rPr lang="en-US" sz="3200" dirty="0">
+                <a:ln w="0"/>
+              </a:rPr>
+              <a:t>map with </a:t>
+            </a:r>
+            <a:r>
+              <a:rPr lang="en-US" sz="3200" dirty="0" err="1">
+                <a:ln w="0"/>
+              </a:rPr>
+              <a:t>RoIs</a:t>
+            </a:r>
+            <a:endParaRPr lang="en-US" sz="3200" cap="none" spc="0" dirty="0">
+              <a:ln w="0"/>
+              <a:solidFill>
+                <a:schemeClr val="tx1"/>
+              </a:solidFill>
+            </a:endParaRPr>
+          </a:p>
+        </p:txBody>
+      </p:sp>
+      <p:sp>
+        <p:nvSpPr>
+          <p:cNvPr id="37" name="Rectangle 36">
+            <a:extLst>
+              <a:ext uri="{FF2B5EF4-FFF2-40B4-BE49-F238E27FC236}">
+                <a16:creationId xmlns:a16="http://schemas.microsoft.com/office/drawing/2014/main" id="{F6101568-16EF-4837-96D7-06DF09065404}"/>
+              </a:ext>
+            </a:extLst>
+          </p:cNvPr>
+          <p:cNvSpPr/>
+          <p:nvPr/>
+        </p:nvSpPr>
+        <p:spPr>
+          <a:xfrm>
+            <a:off x="7345703" y="6126445"/>
+            <a:ext cx="2857321" cy="584775"/>
+          </a:xfrm>
+          <a:prstGeom prst="rect">
+            <a:avLst/>
+          </a:prstGeom>
+          <a:noFill/>
+        </p:spPr>
+        <p:txBody>
+          <a:bodyPr wrap="square" lIns="91440" tIns="45720" rIns="91440" bIns="45720">
+            <a:spAutoFit/>
+          </a:bodyPr>
+          <a:lstStyle/>
+          <a:p>
+            <a:pPr algn="ctr"/>
+            <a:r>
+              <a:rPr lang="en-US" sz="3200" cap="none" spc="0" dirty="0">
+                <a:ln w="0"/>
+                <a:solidFill>
+                  <a:schemeClr val="tx1"/>
+                </a:solidFill>
+              </a:rPr>
+              <a:t>Input image</a:t>
+            </a:r>
+          </a:p>
+        </p:txBody>
+      </p:sp>
+      <p:sp>
+        <p:nvSpPr>
+          <p:cNvPr id="25" name="Arrow: Up 24">
+            <a:extLst>
+              <a:ext uri="{FF2B5EF4-FFF2-40B4-BE49-F238E27FC236}">
+                <a16:creationId xmlns:a16="http://schemas.microsoft.com/office/drawing/2014/main" id="{A14A3F87-A43F-445B-92DF-28411301C333}"/>
+              </a:ext>
+            </a:extLst>
+          </p:cNvPr>
+          <p:cNvSpPr/>
+          <p:nvPr/>
+        </p:nvSpPr>
+        <p:spPr>
+          <a:xfrm>
+            <a:off x="5421456" y="1253552"/>
+            <a:ext cx="298580" cy="374661"/>
           </a:xfrm>
           <a:prstGeom prst="upArrow">
             <a:avLst/>
@@ -6251,16 +6096,16 @@
           <a:lstStyle/>
           <a:p>
             <a:pPr algn="ctr"/>
-            <a:endParaRPr lang="en-US"/>
-          </a:p>
-        </p:txBody>
-      </p:sp>
-      <p:sp>
-        <p:nvSpPr>
-          <p:cNvPr id="33" name="Arrow: Up 32">
-            <a:extLst>
-              <a:ext uri="{FF2B5EF4-FFF2-40B4-BE49-F238E27FC236}">
-                <a16:creationId xmlns:a16="http://schemas.microsoft.com/office/drawing/2014/main" id="{314143C8-4AC6-4F2B-A215-43F24BE10A7B}"/>
+            <a:endParaRPr lang="en-US" dirty="0"/>
+          </a:p>
+        </p:txBody>
+      </p:sp>
+      <p:sp>
+        <p:nvSpPr>
+          <p:cNvPr id="29" name="Arrow: Up 28">
+            <a:extLst>
+              <a:ext uri="{FF2B5EF4-FFF2-40B4-BE49-F238E27FC236}">
+                <a16:creationId xmlns:a16="http://schemas.microsoft.com/office/drawing/2014/main" id="{890021B4-A6DA-4805-B5CB-59ED5C4B09B3}"/>
               </a:ext>
             </a:extLst>
           </p:cNvPr>
@@ -6268,9 +6113,9 @@
           <p:nvPr/>
         </p:nvSpPr>
         <p:spPr>
-          <a:xfrm rot="1385260">
-            <a:off x="6183920" y="2066361"/>
-            <a:ext cx="251750" cy="609445"/>
+          <a:xfrm>
+            <a:off x="5953122" y="1247381"/>
+            <a:ext cx="298580" cy="374661"/>
           </a:xfrm>
           <a:prstGeom prst="upArrow">
             <a:avLst/>
@@ -6297,16 +6142,16 @@
           <a:lstStyle/>
           <a:p>
             <a:pPr algn="ctr"/>
-            <a:endParaRPr lang="en-US"/>
-          </a:p>
-        </p:txBody>
-      </p:sp>
-      <p:sp>
-        <p:nvSpPr>
-          <p:cNvPr id="34" name="Arrow: Up 33">
-            <a:extLst>
-              <a:ext uri="{FF2B5EF4-FFF2-40B4-BE49-F238E27FC236}">
-                <a16:creationId xmlns:a16="http://schemas.microsoft.com/office/drawing/2014/main" id="{8CC0C65D-8452-4129-A528-C7C4CBDE2EE6}"/>
+            <a:endParaRPr lang="en-US" dirty="0"/>
+          </a:p>
+        </p:txBody>
+      </p:sp>
+      <p:sp>
+        <p:nvSpPr>
+          <p:cNvPr id="30" name="Arrow: Up 29">
+            <a:extLst>
+              <a:ext uri="{FF2B5EF4-FFF2-40B4-BE49-F238E27FC236}">
+                <a16:creationId xmlns:a16="http://schemas.microsoft.com/office/drawing/2014/main" id="{0185C2E2-2246-42D2-9605-26CB829E14E7}"/>
               </a:ext>
             </a:extLst>
           </p:cNvPr>
@@ -6315,8 +6160,8 @@
         </p:nvSpPr>
         <p:spPr>
           <a:xfrm>
-            <a:off x="5992866" y="1205780"/>
-            <a:ext cx="251750" cy="438034"/>
+            <a:off x="6490270" y="1256152"/>
+            <a:ext cx="298580" cy="374661"/>
           </a:xfrm>
           <a:prstGeom prst="upArrow">
             <a:avLst/>
@@ -6343,16 +6188,16 @@
           <a:lstStyle/>
           <a:p>
             <a:pPr algn="ctr"/>
-            <a:endParaRPr lang="en-US"/>
-          </a:p>
-        </p:txBody>
-      </p:sp>
-      <p:sp>
-        <p:nvSpPr>
-          <p:cNvPr id="35" name="Arrow: Up 34">
-            <a:extLst>
-              <a:ext uri="{FF2B5EF4-FFF2-40B4-BE49-F238E27FC236}">
-                <a16:creationId xmlns:a16="http://schemas.microsoft.com/office/drawing/2014/main" id="{8CF79529-DDD6-4FF5-AC48-5DC152E25AC6}"/>
+            <a:endParaRPr lang="en-US" dirty="0"/>
+          </a:p>
+        </p:txBody>
+      </p:sp>
+      <p:sp>
+        <p:nvSpPr>
+          <p:cNvPr id="38" name="Rectangle 37">
+            <a:extLst>
+              <a:ext uri="{FF2B5EF4-FFF2-40B4-BE49-F238E27FC236}">
+                <a16:creationId xmlns:a16="http://schemas.microsoft.com/office/drawing/2014/main" id="{CD3F7496-8050-47CB-9155-FE0B6D10B998}"/>
               </a:ext>
             </a:extLst>
           </p:cNvPr>
@@ -6361,8 +6206,139 @@
         </p:nvSpPr>
         <p:spPr>
           <a:xfrm>
-            <a:off x="6525150" y="1199684"/>
-            <a:ext cx="251750" cy="438034"/>
+            <a:off x="6158276" y="-704162"/>
+            <a:ext cx="2005646" cy="830997"/>
+          </a:xfrm>
+          <a:prstGeom prst="rect">
+            <a:avLst/>
+          </a:prstGeom>
+          <a:ln w="28575"/>
+        </p:spPr>
+        <p:style>
+          <a:lnRef idx="2">
+            <a:schemeClr val="accent5"/>
+          </a:lnRef>
+          <a:fillRef idx="1">
+            <a:schemeClr val="lt1"/>
+          </a:fillRef>
+          <a:effectRef idx="0">
+            <a:schemeClr val="accent5"/>
+          </a:effectRef>
+          <a:fontRef idx="minor">
+            <a:schemeClr val="dk1"/>
+          </a:fontRef>
+        </p:style>
+        <p:txBody>
+          <a:bodyPr wrap="square" lIns="91440" tIns="45720" rIns="91440" bIns="45720">
+            <a:spAutoFit/>
+          </a:bodyPr>
+          <a:lstStyle/>
+          <a:p>
+            <a:pPr algn="ctr"/>
+            <a:r>
+              <a:rPr lang="en-US" sz="2400" b="0" cap="none" spc="0" dirty="0">
+                <a:ln w="0"/>
+                <a:solidFill>
+                  <a:schemeClr val="tx1"/>
+                </a:solidFill>
+              </a:rPr>
+              <a:t>Bounding box</a:t>
+            </a:r>
+          </a:p>
+          <a:p>
+            <a:pPr algn="ctr"/>
+            <a:r>
+              <a:rPr lang="en-US" sz="2400" dirty="0">
+                <a:ln w="0"/>
+                <a:solidFill>
+                  <a:schemeClr val="tx1"/>
+                </a:solidFill>
+              </a:rPr>
+              <a:t>r</a:t>
+            </a:r>
+            <a:r>
+              <a:rPr lang="en-US" sz="2400" b="0" cap="none" spc="0" dirty="0">
+                <a:ln w="0"/>
+                <a:solidFill>
+                  <a:schemeClr val="tx1"/>
+                </a:solidFill>
+              </a:rPr>
+              <a:t>egression loss</a:t>
+            </a:r>
+          </a:p>
+        </p:txBody>
+      </p:sp>
+      <p:sp>
+        <p:nvSpPr>
+          <p:cNvPr id="39" name="Rectangle 38">
+            <a:extLst>
+              <a:ext uri="{FF2B5EF4-FFF2-40B4-BE49-F238E27FC236}">
+                <a16:creationId xmlns:a16="http://schemas.microsoft.com/office/drawing/2014/main" id="{5E478C9B-2104-42E3-A6B2-B087A1D72E89}"/>
+              </a:ext>
+            </a:extLst>
+          </p:cNvPr>
+          <p:cNvSpPr/>
+          <p:nvPr/>
+        </p:nvSpPr>
+        <p:spPr>
+          <a:xfrm>
+            <a:off x="4154086" y="-704162"/>
+            <a:ext cx="1879640" cy="830997"/>
+          </a:xfrm>
+          <a:prstGeom prst="rect">
+            <a:avLst/>
+          </a:prstGeom>
+          <a:ln w="28575"/>
+        </p:spPr>
+        <p:style>
+          <a:lnRef idx="2">
+            <a:schemeClr val="accent5"/>
+          </a:lnRef>
+          <a:fillRef idx="1">
+            <a:schemeClr val="lt1"/>
+          </a:fillRef>
+          <a:effectRef idx="0">
+            <a:schemeClr val="accent5"/>
+          </a:effectRef>
+          <a:fontRef idx="minor">
+            <a:schemeClr val="dk1"/>
+          </a:fontRef>
+        </p:style>
+        <p:txBody>
+          <a:bodyPr wrap="square" lIns="91440" tIns="45720" rIns="91440" bIns="45720">
+            <a:spAutoFit/>
+          </a:bodyPr>
+          <a:lstStyle/>
+          <a:p>
+            <a:pPr algn="ctr"/>
+            <a:r>
+              <a:rPr lang="en-US" sz="2400" b="0" cap="none" spc="0" dirty="0">
+                <a:ln w="0"/>
+                <a:solidFill>
+                  <a:schemeClr val="tx1"/>
+                </a:solidFill>
+              </a:rPr>
+              <a:t>Classification loss</a:t>
+            </a:r>
+          </a:p>
+        </p:txBody>
+      </p:sp>
+      <p:sp>
+        <p:nvSpPr>
+          <p:cNvPr id="40" name="Arrow: Up 39">
+            <a:extLst>
+              <a:ext uri="{FF2B5EF4-FFF2-40B4-BE49-F238E27FC236}">
+                <a16:creationId xmlns:a16="http://schemas.microsoft.com/office/drawing/2014/main" id="{D0A2CC45-7E10-48FA-9779-15CF800E4318}"/>
+              </a:ext>
+            </a:extLst>
+          </p:cNvPr>
+          <p:cNvSpPr/>
+          <p:nvPr/>
+        </p:nvSpPr>
+        <p:spPr>
+          <a:xfrm rot="20300735">
+            <a:off x="5555432" y="213466"/>
+            <a:ext cx="298580" cy="351325"/>
           </a:xfrm>
           <a:prstGeom prst="upArrow">
             <a:avLst/>
@@ -6389,152 +6365,7 @@
           <a:lstStyle/>
           <a:p>
             <a:pPr algn="ctr"/>
-            <a:endParaRPr lang="en-US"/>
-          </a:p>
-        </p:txBody>
-      </p:sp>
-      <p:sp>
-        <p:nvSpPr>
-          <p:cNvPr id="36" name="Rectangle 35">
-            <a:extLst>
-              <a:ext uri="{FF2B5EF4-FFF2-40B4-BE49-F238E27FC236}">
-                <a16:creationId xmlns:a16="http://schemas.microsoft.com/office/drawing/2014/main" id="{912BAB55-C974-4F61-9567-0A8CE348471D}"/>
-              </a:ext>
-            </a:extLst>
-          </p:cNvPr>
-          <p:cNvSpPr/>
-          <p:nvPr/>
-        </p:nvSpPr>
-        <p:spPr>
-          <a:xfrm>
-            <a:off x="8024902" y="2700761"/>
-            <a:ext cx="2857321" cy="400110"/>
-          </a:xfrm>
-          <a:prstGeom prst="rect">
-            <a:avLst/>
-          </a:prstGeom>
-          <a:noFill/>
-        </p:spPr>
-        <p:txBody>
-          <a:bodyPr wrap="square" lIns="91440" tIns="45720" rIns="91440" bIns="45720">
-            <a:spAutoFit/>
-          </a:bodyPr>
-          <a:lstStyle/>
-          <a:p>
-            <a:pPr algn="ctr"/>
-            <a:r>
-              <a:rPr lang="da-DK" sz="2000" dirty="0">
-                <a:ln w="0"/>
-                <a:effectLst>
-                  <a:outerShdw blurRad="38100" dist="19050" dir="2700000" algn="tl" rotWithShape="0">
-                    <a:schemeClr val="dk1">
-                      <a:alpha val="40000"/>
-                    </a:schemeClr>
-                  </a:outerShdw>
-                </a:effectLst>
-              </a:rPr>
-              <a:t>F</a:t>
-            </a:r>
-            <a:r>
-              <a:rPr lang="en-US" sz="2000" dirty="0" err="1">
-                <a:ln w="0"/>
-                <a:effectLst>
-                  <a:outerShdw blurRad="38100" dist="19050" dir="2700000" algn="tl" rotWithShape="0">
-                    <a:schemeClr val="dk1">
-                      <a:alpha val="40000"/>
-                    </a:schemeClr>
-                  </a:outerShdw>
-                </a:effectLst>
-              </a:rPr>
-              <a:t>eature</a:t>
-            </a:r>
-            <a:r>
-              <a:rPr lang="en-US" sz="2000" dirty="0">
-                <a:ln w="0"/>
-                <a:effectLst>
-                  <a:outerShdw blurRad="38100" dist="19050" dir="2700000" algn="tl" rotWithShape="0">
-                    <a:schemeClr val="dk1">
-                      <a:alpha val="40000"/>
-                    </a:schemeClr>
-                  </a:outerShdw>
-                </a:effectLst>
-              </a:rPr>
-              <a:t> map with </a:t>
-            </a:r>
-            <a:r>
-              <a:rPr lang="en-US" sz="2000" dirty="0" err="1">
-                <a:ln w="0"/>
-                <a:effectLst>
-                  <a:outerShdw blurRad="38100" dist="19050" dir="2700000" algn="tl" rotWithShape="0">
-                    <a:schemeClr val="dk1">
-                      <a:alpha val="40000"/>
-                    </a:schemeClr>
-                  </a:outerShdw>
-                </a:effectLst>
-              </a:rPr>
-              <a:t>RoIs</a:t>
-            </a:r>
-            <a:endParaRPr lang="en-US" sz="2000" cap="none" spc="0" dirty="0">
-              <a:ln w="0"/>
-              <a:solidFill>
-                <a:schemeClr val="tx1"/>
-              </a:solidFill>
-              <a:effectLst>
-                <a:outerShdw blurRad="38100" dist="19050" dir="2700000" algn="tl" rotWithShape="0">
-                  <a:schemeClr val="dk1">
-                    <a:alpha val="40000"/>
-                  </a:schemeClr>
-                </a:outerShdw>
-              </a:effectLst>
-            </a:endParaRPr>
-          </a:p>
-        </p:txBody>
-      </p:sp>
-      <p:sp>
-        <p:nvSpPr>
-          <p:cNvPr id="37" name="Rectangle 36">
-            <a:extLst>
-              <a:ext uri="{FF2B5EF4-FFF2-40B4-BE49-F238E27FC236}">
-                <a16:creationId xmlns:a16="http://schemas.microsoft.com/office/drawing/2014/main" id="{F6101568-16EF-4837-96D7-06DF09065404}"/>
-              </a:ext>
-            </a:extLst>
-          </p:cNvPr>
-          <p:cNvSpPr/>
-          <p:nvPr/>
-        </p:nvSpPr>
-        <p:spPr>
-          <a:xfrm>
-            <a:off x="7830557" y="5335902"/>
-            <a:ext cx="2857321" cy="400110"/>
-          </a:xfrm>
-          <a:prstGeom prst="rect">
-            <a:avLst/>
-          </a:prstGeom>
-          <a:noFill/>
-        </p:spPr>
-        <p:txBody>
-          <a:bodyPr wrap="square" lIns="91440" tIns="45720" rIns="91440" bIns="45720">
-            <a:spAutoFit/>
-          </a:bodyPr>
-          <a:lstStyle/>
-          <a:p>
-            <a:pPr algn="ctr"/>
-            <a:r>
-              <a:rPr lang="en-US" sz="2000" cap="none" spc="0" dirty="0">
-                <a:ln w="0"/>
-                <a:solidFill>
-                  <a:schemeClr val="tx1"/>
-                </a:solidFill>
-                <a:effectLst>
-                  <a:outerShdw blurRad="38100" dist="19050" dir="2700000" algn="tl" rotWithShape="0">
-                    <a:schemeClr val="dk1">
-                      <a:alpha val="40000"/>
-                    </a:schemeClr>
-                  </a:outerShdw>
-                </a:effectLst>
-              </a:rPr>
-              <a:t>Input image</a:t>
-            </a:r>
+            <a:endParaRPr lang="en-US" dirty="0"/>
           </a:p>
         </p:txBody>
       </p:sp>
@@ -6631,12 +6462,15 @@
             <a:avLst/>
           </a:prstGeom>
           <a:solidFill>
-            <a:schemeClr val="accent6">
-              <a:alpha val="90000"/>
+            <a:schemeClr val="bg1">
+              <a:lumMod val="95000"/>
+              <a:alpha val="50000"/>
             </a:schemeClr>
           </a:solidFill>
-          <a:ln>
-            <a:noFill/>
+          <a:ln w="28575">
+            <a:solidFill>
+              <a:schemeClr val="accent1"/>
+            </a:solidFill>
           </a:ln>
         </p:spPr>
         <p:style>
@@ -6659,10 +6493,18 @@
           <a:p>
             <a:pPr algn="ctr"/>
             <a:r>
-              <a:rPr lang="da-DK" dirty="0"/>
+              <a:rPr lang="da-DK" sz="3200" dirty="0">
+                <a:solidFill>
+                  <a:schemeClr val="tx1"/>
+                </a:solidFill>
+              </a:rPr>
               <a:t>CNN</a:t>
             </a:r>
-            <a:endParaRPr lang="en-US" dirty="0"/>
+            <a:endParaRPr lang="en-US" sz="3200" dirty="0">
+              <a:solidFill>
+                <a:schemeClr val="tx1"/>
+              </a:solidFill>
+            </a:endParaRPr>
           </a:p>
         </p:txBody>
       </p:sp>
@@ -6782,12 +6624,17 @@
         </p:blipFill>
         <p:spPr>
           <a:xfrm>
-            <a:off x="1739177" y="2132044"/>
+            <a:off x="2459406" y="2418088"/>
             <a:ext cx="2620718" cy="1474154"/>
           </a:xfrm>
           <a:prstGeom prst="rect">
             <a:avLst/>
           </a:prstGeom>
+          <a:ln w="28575">
+            <a:solidFill>
+              <a:srgbClr val="FF0000"/>
+            </a:solidFill>
+          </a:ln>
           <a:scene3d>
             <a:camera prst="orthographicFront">
               <a:rot lat="1566000" lon="17652000" rev="18942000"/>
@@ -6824,7 +6671,7 @@
         </p:blipFill>
         <p:spPr>
           <a:xfrm>
-            <a:off x="3583603" y="117188"/>
+            <a:off x="3655991" y="456141"/>
             <a:ext cx="3906671" cy="2197503"/>
           </a:xfrm>
           <a:prstGeom prst="rect">
@@ -6852,8 +6699,8 @@
         </p:nvSpPr>
         <p:spPr>
           <a:xfrm>
-            <a:off x="5331607" y="2132044"/>
-            <a:ext cx="298580" cy="1364832"/>
+            <a:off x="5331607" y="2314690"/>
+            <a:ext cx="298580" cy="1182185"/>
           </a:xfrm>
           <a:prstGeom prst="upArrow">
             <a:avLst/>
@@ -6897,9 +6744,9 @@
           <p:nvPr/>
         </p:nvSpPr>
         <p:spPr>
-          <a:xfrm rot="17873115">
-            <a:off x="4036382" y="2902458"/>
-            <a:ext cx="298580" cy="1557757"/>
+          <a:xfrm rot="18243014">
+            <a:off x="4654028" y="3182162"/>
+            <a:ext cx="298580" cy="750107"/>
           </a:xfrm>
           <a:prstGeom prst="upArrow">
             <a:avLst>
@@ -6946,9 +6793,9 @@
           <p:nvPr/>
         </p:nvSpPr>
         <p:spPr>
-          <a:xfrm rot="3054157">
-            <a:off x="3782309" y="1924143"/>
-            <a:ext cx="298580" cy="845550"/>
+          <a:xfrm rot="1412685">
+            <a:off x="4160855" y="2294906"/>
+            <a:ext cx="298580" cy="606452"/>
           </a:xfrm>
           <a:prstGeom prst="upArrow">
             <a:avLst/>
@@ -6993,7 +6840,7 @@
         </p:nvSpPr>
         <p:spPr>
           <a:xfrm>
-            <a:off x="5712022" y="200953"/>
+            <a:off x="5784410" y="539906"/>
             <a:ext cx="298580" cy="620782"/>
           </a:xfrm>
           <a:prstGeom prst="upArrow">
@@ -7040,7 +6887,7 @@
         <p:spPr>
           <a:xfrm>
             <a:off x="6801783" y="3709510"/>
-            <a:ext cx="1505605" cy="400110"/>
+            <a:ext cx="2550712" cy="584775"/>
           </a:xfrm>
           <a:prstGeom prst="rect">
             <a:avLst/>
@@ -7055,18 +6902,11 @@
           <a:p>
             <a:pPr algn="ctr"/>
             <a:r>
-              <a:rPr lang="en-US" sz="2000" b="0" cap="none" spc="0" dirty="0">
+              <a:rPr lang="en-US" sz="3200" b="0" cap="none" spc="0" dirty="0">
                 <a:ln w="0"/>
                 <a:solidFill>
                   <a:schemeClr val="tx1"/>
                 </a:solidFill>
-                <a:effectLst>
-                  <a:outerShdw blurRad="38100" dist="19050" dir="2700000" algn="tl" rotWithShape="0">
-                    <a:schemeClr val="dk1">
-                      <a:alpha val="40000"/>
-                    </a:schemeClr>
-                  </a:outerShdw>
-                </a:effectLst>
               </a:rPr>
               <a:t>Feature map</a:t>
             </a:r>
@@ -7087,8 +6927,8 @@
         </p:nvSpPr>
         <p:spPr>
           <a:xfrm>
-            <a:off x="7082448" y="769955"/>
-            <a:ext cx="1381533" cy="400110"/>
+            <a:off x="6634485" y="1456583"/>
+            <a:ext cx="2245983" cy="584775"/>
           </a:xfrm>
           <a:prstGeom prst="rect">
             <a:avLst/>
@@ -7103,36 +6943,22 @@
           <a:p>
             <a:pPr algn="ctr"/>
             <a:r>
-              <a:rPr lang="en-US" sz="2000" cap="none" spc="0" dirty="0" err="1">
+              <a:rPr lang="en-US" sz="3200" cap="none" spc="0" dirty="0" err="1">
                 <a:ln w="0"/>
                 <a:solidFill>
                   <a:schemeClr val="tx1"/>
                 </a:solidFill>
-                <a:effectLst>
-                  <a:outerShdw blurRad="38100" dist="19050" dir="2700000" algn="tl" rotWithShape="0">
-                    <a:schemeClr val="dk1">
-                      <a:alpha val="40000"/>
-                    </a:schemeClr>
-                  </a:outerShdw>
-                </a:effectLst>
               </a:rPr>
               <a:t>RoI</a:t>
             </a:r>
             <a:r>
-              <a:rPr lang="en-US" sz="2000" cap="none" spc="0" dirty="0">
+              <a:rPr lang="en-US" sz="3200" cap="none" spc="0" dirty="0">
                 <a:ln w="0"/>
                 <a:solidFill>
                   <a:schemeClr val="tx1"/>
                 </a:solidFill>
-                <a:effectLst>
-                  <a:outerShdw blurRad="38100" dist="19050" dir="2700000" algn="tl" rotWithShape="0">
-                    <a:schemeClr val="dk1">
-                      <a:alpha val="40000"/>
-                    </a:schemeClr>
-                  </a:outerShdw>
-                </a:effectLst>
               </a:rPr>
-              <a:t> Pooling</a:t>
+              <a:t> pooling</a:t>
             </a:r>
           </a:p>
         </p:txBody>
@@ -7151,8 +6977,8 @@
         </p:nvSpPr>
         <p:spPr>
           <a:xfrm>
-            <a:off x="1327886" y="3772455"/>
-            <a:ext cx="2857321" cy="400110"/>
+            <a:off x="1341709" y="3760997"/>
+            <a:ext cx="2857321" cy="1077218"/>
           </a:xfrm>
           <a:prstGeom prst="rect">
             <a:avLst/>
@@ -7167,18 +6993,11 @@
           <a:p>
             <a:pPr algn="ctr"/>
             <a:r>
-              <a:rPr lang="en-US" sz="2000" cap="none" spc="0" dirty="0">
+              <a:rPr lang="en-US" sz="3200" cap="none" spc="0" dirty="0">
                 <a:ln w="0"/>
                 <a:solidFill>
                   <a:schemeClr val="tx1"/>
                 </a:solidFill>
-                <a:effectLst>
-                  <a:outerShdw blurRad="38100" dist="19050" dir="2700000" algn="tl" rotWithShape="0">
-                    <a:schemeClr val="dk1">
-                      <a:alpha val="40000"/>
-                    </a:schemeClr>
-                  </a:outerShdw>
-                </a:effectLst>
               </a:rPr>
               <a:t>Region proposal network</a:t>
             </a:r>
@@ -7199,8 +7018,8 @@
         </p:nvSpPr>
         <p:spPr>
           <a:xfrm>
-            <a:off x="1291233" y="2295743"/>
-            <a:ext cx="1091068" cy="707886"/>
+            <a:off x="1012806" y="2366679"/>
+            <a:ext cx="2180287" cy="1077218"/>
           </a:xfrm>
           <a:prstGeom prst="rect">
             <a:avLst/>
@@ -7215,49 +7034,28 @@
           <a:p>
             <a:pPr algn="ctr"/>
             <a:r>
-              <a:rPr lang="en-US" sz="2000" cap="none" spc="0" dirty="0">
+              <a:rPr lang="en-US" sz="3200" cap="none" spc="0" dirty="0">
                 <a:ln w="0"/>
                 <a:solidFill>
                   <a:schemeClr val="tx1"/>
                 </a:solidFill>
-                <a:effectLst>
-                  <a:outerShdw blurRad="38100" dist="19050" dir="2700000" algn="tl" rotWithShape="0">
-                    <a:schemeClr val="dk1">
-                      <a:alpha val="40000"/>
-                    </a:schemeClr>
-                  </a:outerShdw>
-                </a:effectLst>
               </a:rPr>
               <a:t>Proposal</a:t>
             </a:r>
             <a:br>
-              <a:rPr lang="en-US" sz="2000" cap="none" spc="0" dirty="0">
+              <a:rPr lang="en-US" sz="3200" cap="none" spc="0" dirty="0">
                 <a:ln w="0"/>
                 <a:solidFill>
                   <a:schemeClr val="tx1"/>
                 </a:solidFill>
-                <a:effectLst>
-                  <a:outerShdw blurRad="38100" dist="19050" dir="2700000" algn="tl" rotWithShape="0">
-                    <a:schemeClr val="dk1">
-                      <a:alpha val="40000"/>
-                    </a:schemeClr>
-                  </a:outerShdw>
-                </a:effectLst>
               </a:rPr>
             </a:br>
             <a:r>
-              <a:rPr lang="en-US" sz="2000" cap="none" spc="0" dirty="0">
+              <a:rPr lang="en-US" sz="3200" cap="none" spc="0" dirty="0">
                 <a:ln w="0"/>
                 <a:solidFill>
                   <a:schemeClr val="tx1"/>
                 </a:solidFill>
-                <a:effectLst>
-                  <a:outerShdw blurRad="38100" dist="19050" dir="2700000" algn="tl" rotWithShape="0">
-                    <a:schemeClr val="dk1">
-                      <a:alpha val="40000"/>
-                    </a:schemeClr>
-                  </a:outerShdw>
-                </a:effectLst>
               </a:rPr>
               <a:t>regions</a:t>
             </a:r>
@@ -7278,8 +7076,8 @@
         </p:nvSpPr>
         <p:spPr>
           <a:xfrm>
-            <a:off x="4605326" y="-134333"/>
-            <a:ext cx="2531783" cy="400110"/>
+            <a:off x="4259777" y="193333"/>
+            <a:ext cx="3347846" cy="461665"/>
           </a:xfrm>
           <a:prstGeom prst="rect">
             <a:avLst/>
@@ -7294,18 +7092,11 @@
           <a:p>
             <a:pPr algn="ctr"/>
             <a:r>
-              <a:rPr lang="en-US" sz="2000" cap="none" spc="0" dirty="0">
+              <a:rPr lang="en-US" sz="2400" cap="none" spc="0" dirty="0">
                 <a:ln w="0"/>
                 <a:solidFill>
                   <a:schemeClr val="tx1"/>
                 </a:solidFill>
-                <a:effectLst>
-                  <a:outerShdw blurRad="38100" dist="19050" dir="2700000" algn="tl" rotWithShape="0">
-                    <a:schemeClr val="dk1">
-                      <a:alpha val="40000"/>
-                    </a:schemeClr>
-                  </a:outerShdw>
-                </a:effectLst>
               </a:rPr>
               <a:t>Classification network</a:t>
             </a:r>
@@ -7326,7 +7117,7 @@
         </p:nvSpPr>
         <p:spPr>
           <a:xfrm rot="19041164">
-            <a:off x="1231830" y="1999182"/>
+            <a:off x="1441568" y="2040450"/>
             <a:ext cx="298580" cy="374661"/>
           </a:xfrm>
           <a:prstGeom prst="upArrow">
@@ -7371,8 +7162,8 @@
           <p:nvPr/>
         </p:nvSpPr>
         <p:spPr>
-          <a:xfrm>
-            <a:off x="1949818" y="1961575"/>
+          <a:xfrm rot="1678345">
+            <a:off x="2338185" y="2066265"/>
             <a:ext cx="298580" cy="351325"/>
           </a:xfrm>
           <a:prstGeom prst="upArrow">
@@ -7400,7 +7191,7 @@
           <a:lstStyle/>
           <a:p>
             <a:pPr algn="ctr"/>
-            <a:endParaRPr lang="en-US"/>
+            <a:endParaRPr lang="en-US" dirty="0"/>
           </a:p>
         </p:txBody>
       </p:sp>
@@ -7418,12 +7209,13 @@
         </p:nvSpPr>
         <p:spPr>
           <a:xfrm>
-            <a:off x="286227" y="1403321"/>
-            <a:ext cx="1164428" cy="523220"/>
+            <a:off x="-96253" y="1139392"/>
+            <a:ext cx="1856627" cy="830997"/>
           </a:xfrm>
           <a:prstGeom prst="rect">
             <a:avLst/>
           </a:prstGeom>
+          <a:ln w="28575"/>
         </p:spPr>
         <p:style>
           <a:lnRef idx="2">
@@ -7447,18 +7239,11 @@
           <a:p>
             <a:pPr algn="ctr"/>
             <a:r>
-              <a:rPr lang="en-US" sz="1400" b="0" cap="none" spc="0" dirty="0">
+              <a:rPr lang="en-US" sz="2400" b="0" cap="none" spc="0" dirty="0">
                 <a:ln w="0"/>
                 <a:solidFill>
                   <a:schemeClr val="tx1"/>
                 </a:solidFill>
-                <a:effectLst>
-                  <a:outerShdw blurRad="38100" dist="19050" dir="2700000" algn="tl" rotWithShape="0">
-                    <a:schemeClr val="dk1">
-                      <a:alpha val="40000"/>
-                    </a:schemeClr>
-                  </a:outerShdw>
-                </a:effectLst>
               </a:rPr>
               <a:t>Classification loss</a:t>
             </a:r>
@@ -7479,12 +7264,13 @@
         </p:nvSpPr>
         <p:spPr>
           <a:xfrm>
-            <a:off x="1498450" y="972824"/>
-            <a:ext cx="989459" cy="954107"/>
+            <a:off x="1904376" y="1139392"/>
+            <a:ext cx="2000983" cy="830997"/>
           </a:xfrm>
           <a:prstGeom prst="rect">
             <a:avLst/>
           </a:prstGeom>
+          <a:ln w="28575"/>
         </p:spPr>
         <p:style>
           <a:lnRef idx="2">
@@ -7508,87 +7294,44 @@
           <a:p>
             <a:pPr algn="ctr"/>
             <a:r>
-              <a:rPr lang="en-US" sz="1400" b="0" cap="none" spc="0" dirty="0">
+              <a:rPr lang="en-US" sz="2400" b="0" cap="none" spc="0" dirty="0">
                 <a:ln w="0"/>
                 <a:solidFill>
                   <a:schemeClr val="tx1"/>
                 </a:solidFill>
-                <a:effectLst>
-                  <a:outerShdw blurRad="38100" dist="19050" dir="2700000" algn="tl" rotWithShape="0">
-                    <a:schemeClr val="dk1">
-                      <a:alpha val="40000"/>
-                    </a:schemeClr>
-                  </a:outerShdw>
-                </a:effectLst>
               </a:rPr>
-              <a:t>Bounding</a:t>
+              <a:t>Bounding box</a:t>
             </a:r>
           </a:p>
           <a:p>
             <a:pPr algn="ctr"/>
             <a:r>
-              <a:rPr lang="en-US" sz="1400" b="0" cap="none" spc="0" dirty="0">
+              <a:rPr lang="en-US" sz="2400" dirty="0">
                 <a:ln w="0"/>
                 <a:solidFill>
                   <a:schemeClr val="tx1"/>
                 </a:solidFill>
-                <a:effectLst>
-                  <a:outerShdw blurRad="38100" dist="19050" dir="2700000" algn="tl" rotWithShape="0">
-                    <a:schemeClr val="dk1">
-                      <a:alpha val="40000"/>
-                    </a:schemeClr>
-                  </a:outerShdw>
-                </a:effectLst>
               </a:rPr>
-              <a:t>Box</a:t>
-            </a:r>
-          </a:p>
-          <a:p>
-            <a:pPr algn="ctr"/>
-            <a:r>
-              <a:rPr lang="en-US" sz="1400" b="0" cap="none" spc="0" dirty="0">
+              <a:t>r</a:t>
+            </a:r>
+            <a:r>
+              <a:rPr lang="en-US" sz="2400" b="0" cap="none" spc="0" dirty="0">
                 <a:ln w="0"/>
                 <a:solidFill>
                   <a:schemeClr val="tx1"/>
                 </a:solidFill>
-                <a:effectLst>
-                  <a:outerShdw blurRad="38100" dist="19050" dir="2700000" algn="tl" rotWithShape="0">
-                    <a:schemeClr val="dk1">
-                      <a:alpha val="40000"/>
-                    </a:schemeClr>
-                  </a:outerShdw>
-                </a:effectLst>
               </a:rPr>
-              <a:t>Regression</a:t>
-            </a:r>
-          </a:p>
-          <a:p>
-            <a:pPr algn="ctr"/>
-            <a:r>
-              <a:rPr lang="en-US" sz="1400" b="0" cap="none" spc="0" dirty="0">
-                <a:ln w="0"/>
-                <a:solidFill>
-                  <a:schemeClr val="tx1"/>
-                </a:solidFill>
-                <a:effectLst>
-                  <a:outerShdw blurRad="38100" dist="19050" dir="2700000" algn="tl" rotWithShape="0">
-                    <a:schemeClr val="dk1">
-                      <a:alpha val="40000"/>
-                    </a:schemeClr>
-                  </a:outerShdw>
-                </a:effectLst>
-              </a:rPr>
-              <a:t>loss</a:t>
-            </a:r>
-          </a:p>
-        </p:txBody>
-      </p:sp>
-      <p:sp>
-        <p:nvSpPr>
-          <p:cNvPr id="44" name="Arrow: Up 43">
-            <a:extLst>
-              <a:ext uri="{FF2B5EF4-FFF2-40B4-BE49-F238E27FC236}">
-                <a16:creationId xmlns:a16="http://schemas.microsoft.com/office/drawing/2014/main" id="{7B1C556D-CF31-4B63-98F9-25B1E77FAD5E}"/>
+              <a:t>egression loss</a:t>
+            </a:r>
+          </a:p>
+        </p:txBody>
+      </p:sp>
+      <p:sp>
+        <p:nvSpPr>
+          <p:cNvPr id="45" name="Arrow: Up 44">
+            <a:extLst>
+              <a:ext uri="{FF2B5EF4-FFF2-40B4-BE49-F238E27FC236}">
+                <a16:creationId xmlns:a16="http://schemas.microsoft.com/office/drawing/2014/main" id="{0D43BDB2-CD65-4637-9F81-85B8A1BF3282}"/>
               </a:ext>
             </a:extLst>
           </p:cNvPr>
@@ -7596,9 +7339,9 @@
           <p:nvPr/>
         </p:nvSpPr>
         <p:spPr>
-          <a:xfrm rot="19041164">
-            <a:off x="5306018" y="-524399"/>
-            <a:ext cx="298580" cy="374661"/>
+          <a:xfrm rot="2130946">
+            <a:off x="6257512" y="-74977"/>
+            <a:ext cx="298580" cy="351325"/>
           </a:xfrm>
           <a:prstGeom prst="upArrow">
             <a:avLst/>
@@ -7625,16 +7368,16 @@
           <a:lstStyle/>
           <a:p>
             <a:pPr algn="ctr"/>
-            <a:endParaRPr lang="en-US" dirty="0"/>
-          </a:p>
-        </p:txBody>
-      </p:sp>
-      <p:sp>
-        <p:nvSpPr>
-          <p:cNvPr id="45" name="Arrow: Up 44">
-            <a:extLst>
-              <a:ext uri="{FF2B5EF4-FFF2-40B4-BE49-F238E27FC236}">
-                <a16:creationId xmlns:a16="http://schemas.microsoft.com/office/drawing/2014/main" id="{0D43BDB2-CD65-4637-9F81-85B8A1BF3282}"/>
+            <a:endParaRPr lang="en-US"/>
+          </a:p>
+        </p:txBody>
+      </p:sp>
+      <p:sp>
+        <p:nvSpPr>
+          <p:cNvPr id="27" name="Rectangle 26">
+            <a:extLst>
+              <a:ext uri="{FF2B5EF4-FFF2-40B4-BE49-F238E27FC236}">
+                <a16:creationId xmlns:a16="http://schemas.microsoft.com/office/drawing/2014/main" id="{299D1E84-B192-427B-BFEC-04EE838014D3}"/>
               </a:ext>
             </a:extLst>
           </p:cNvPr>
@@ -7643,7 +7386,179 @@
         </p:nvSpPr>
         <p:spPr>
           <a:xfrm>
-            <a:off x="6024006" y="-562006"/>
+            <a:off x="6926853" y="6858000"/>
+            <a:ext cx="2857321" cy="584775"/>
+          </a:xfrm>
+          <a:prstGeom prst="rect">
+            <a:avLst/>
+          </a:prstGeom>
+          <a:noFill/>
+        </p:spPr>
+        <p:txBody>
+          <a:bodyPr wrap="square" lIns="91440" tIns="45720" rIns="91440" bIns="45720">
+            <a:spAutoFit/>
+          </a:bodyPr>
+          <a:lstStyle/>
+          <a:p>
+            <a:pPr algn="ctr"/>
+            <a:r>
+              <a:rPr lang="en-US" sz="3200" cap="none" spc="0" dirty="0">
+                <a:ln w="0"/>
+                <a:solidFill>
+                  <a:schemeClr val="tx1"/>
+                </a:solidFill>
+              </a:rPr>
+              <a:t>Input image</a:t>
+            </a:r>
+          </a:p>
+        </p:txBody>
+      </p:sp>
+      <p:sp>
+        <p:nvSpPr>
+          <p:cNvPr id="56" name="Rectangle 55">
+            <a:extLst>
+              <a:ext uri="{FF2B5EF4-FFF2-40B4-BE49-F238E27FC236}">
+                <a16:creationId xmlns:a16="http://schemas.microsoft.com/office/drawing/2014/main" id="{5B728E53-F96D-47E3-870C-B136466CCFD6}"/>
+              </a:ext>
+            </a:extLst>
+          </p:cNvPr>
+          <p:cNvSpPr/>
+          <p:nvPr/>
+        </p:nvSpPr>
+        <p:spPr>
+          <a:xfrm>
+            <a:off x="6145127" y="-947643"/>
+            <a:ext cx="2005646" cy="830997"/>
+          </a:xfrm>
+          <a:prstGeom prst="rect">
+            <a:avLst/>
+          </a:prstGeom>
+          <a:ln w="28575"/>
+        </p:spPr>
+        <p:style>
+          <a:lnRef idx="2">
+            <a:schemeClr val="accent5"/>
+          </a:lnRef>
+          <a:fillRef idx="1">
+            <a:schemeClr val="lt1"/>
+          </a:fillRef>
+          <a:effectRef idx="0">
+            <a:schemeClr val="accent5"/>
+          </a:effectRef>
+          <a:fontRef idx="minor">
+            <a:schemeClr val="dk1"/>
+          </a:fontRef>
+        </p:style>
+        <p:txBody>
+          <a:bodyPr wrap="square" lIns="91440" tIns="45720" rIns="91440" bIns="45720">
+            <a:spAutoFit/>
+          </a:bodyPr>
+          <a:lstStyle/>
+          <a:p>
+            <a:pPr algn="ctr"/>
+            <a:r>
+              <a:rPr lang="en-US" sz="2400" b="0" cap="none" spc="0" dirty="0">
+                <a:ln w="0"/>
+                <a:solidFill>
+                  <a:schemeClr val="tx1"/>
+                </a:solidFill>
+              </a:rPr>
+              <a:t>Bounding box</a:t>
+            </a:r>
+          </a:p>
+          <a:p>
+            <a:pPr algn="ctr"/>
+            <a:r>
+              <a:rPr lang="en-US" sz="2400" dirty="0">
+                <a:ln w="0"/>
+                <a:solidFill>
+                  <a:schemeClr val="tx1"/>
+                </a:solidFill>
+              </a:rPr>
+              <a:t>r</a:t>
+            </a:r>
+            <a:r>
+              <a:rPr lang="en-US" sz="2400" b="0" cap="none" spc="0" dirty="0">
+                <a:ln w="0"/>
+                <a:solidFill>
+                  <a:schemeClr val="tx1"/>
+                </a:solidFill>
+              </a:rPr>
+              <a:t>egression loss</a:t>
+            </a:r>
+          </a:p>
+        </p:txBody>
+      </p:sp>
+      <p:sp>
+        <p:nvSpPr>
+          <p:cNvPr id="57" name="Rectangle 56">
+            <a:extLst>
+              <a:ext uri="{FF2B5EF4-FFF2-40B4-BE49-F238E27FC236}">
+                <a16:creationId xmlns:a16="http://schemas.microsoft.com/office/drawing/2014/main" id="{647E1E16-E59C-41A3-9F89-B8117E569923}"/>
+              </a:ext>
+            </a:extLst>
+          </p:cNvPr>
+          <p:cNvSpPr/>
+          <p:nvPr/>
+        </p:nvSpPr>
+        <p:spPr>
+          <a:xfrm>
+            <a:off x="4199030" y="-947644"/>
+            <a:ext cx="1847845" cy="830997"/>
+          </a:xfrm>
+          <a:prstGeom prst="rect">
+            <a:avLst/>
+          </a:prstGeom>
+          <a:ln w="28575"/>
+        </p:spPr>
+        <p:style>
+          <a:lnRef idx="2">
+            <a:schemeClr val="accent5"/>
+          </a:lnRef>
+          <a:fillRef idx="1">
+            <a:schemeClr val="lt1"/>
+          </a:fillRef>
+          <a:effectRef idx="0">
+            <a:schemeClr val="accent5"/>
+          </a:effectRef>
+          <a:fontRef idx="minor">
+            <a:schemeClr val="dk1"/>
+          </a:fontRef>
+        </p:style>
+        <p:txBody>
+          <a:bodyPr wrap="square" lIns="91440" tIns="45720" rIns="91440" bIns="45720">
+            <a:spAutoFit/>
+          </a:bodyPr>
+          <a:lstStyle/>
+          <a:p>
+            <a:pPr algn="ctr"/>
+            <a:r>
+              <a:rPr lang="en-US" sz="2400" b="0" cap="none" spc="0" dirty="0">
+                <a:ln w="0"/>
+                <a:solidFill>
+                  <a:schemeClr val="tx1"/>
+                </a:solidFill>
+              </a:rPr>
+              <a:t>Classification loss</a:t>
+            </a:r>
+          </a:p>
+        </p:txBody>
+      </p:sp>
+      <p:sp>
+        <p:nvSpPr>
+          <p:cNvPr id="58" name="Arrow: Up 57">
+            <a:extLst>
+              <a:ext uri="{FF2B5EF4-FFF2-40B4-BE49-F238E27FC236}">
+                <a16:creationId xmlns:a16="http://schemas.microsoft.com/office/drawing/2014/main" id="{8D52B611-FB4B-47A8-A96E-C8A75D16BADA}"/>
+              </a:ext>
+            </a:extLst>
+          </p:cNvPr>
+          <p:cNvSpPr/>
+          <p:nvPr/>
+        </p:nvSpPr>
+        <p:spPr>
+          <a:xfrm rot="19290660">
+            <a:off x="5494545" y="-65484"/>
             <a:ext cx="298580" cy="351325"/>
           </a:xfrm>
           <a:prstGeom prst="upArrow">
@@ -7675,12 +7590,84 @@
           </a:p>
         </p:txBody>
       </p:sp>
-      <p:sp>
-        <p:nvSpPr>
-          <p:cNvPr id="46" name="Rectangle 45">
-            <a:extLst>
-              <a:ext uri="{FF2B5EF4-FFF2-40B4-BE49-F238E27FC236}">
-                <a16:creationId xmlns:a16="http://schemas.microsoft.com/office/drawing/2014/main" id="{752DD43C-ABBB-4F31-B120-636C15707986}"/>
+    </p:spTree>
+    <p:extLst>
+      <p:ext uri="{BB962C8B-B14F-4D97-AF65-F5344CB8AC3E}">
+        <p14:creationId xmlns:p14="http://schemas.microsoft.com/office/powerpoint/2010/main" val="1207999381"/>
+      </p:ext>
+    </p:extLst>
+  </p:cSld>
+  <p:clrMapOvr>
+    <a:masterClrMapping/>
+  </p:clrMapOvr>
+</p:sld>
+</file>
+
+<file path=ppt/slides/slide5.xml><?xml version="1.0" encoding="utf-8"?>
+<p:sld xmlns:a="http://schemas.openxmlformats.org/drawingml/2006/main" xmlns:r="http://schemas.openxmlformats.org/officeDocument/2006/relationships" xmlns:p="http://schemas.openxmlformats.org/presentationml/2006/main">
+  <p:cSld>
+    <p:spTree>
+      <p:nvGrpSpPr>
+        <p:cNvPr id="1" name=""/>
+        <p:cNvGrpSpPr/>
+        <p:nvPr/>
+      </p:nvGrpSpPr>
+      <p:grpSpPr>
+        <a:xfrm>
+          <a:off x="0" y="0"/>
+          <a:ext cx="0" cy="0"/>
+          <a:chOff x="0" y="0"/>
+          <a:chExt cx="0" cy="0"/>
+        </a:xfrm>
+      </p:grpSpPr>
+      <p:pic>
+        <p:nvPicPr>
+          <p:cNvPr id="8" name="Picture 7">
+            <a:extLst>
+              <a:ext uri="{FF2B5EF4-FFF2-40B4-BE49-F238E27FC236}">
+                <a16:creationId xmlns:a16="http://schemas.microsoft.com/office/drawing/2014/main" id="{7528EDE1-3A4E-4DD2-B98E-534C525D8279}"/>
+              </a:ext>
+            </a:extLst>
+          </p:cNvPr>
+          <p:cNvPicPr>
+            <a:picLocks noChangeAspect="1"/>
+          </p:cNvPicPr>
+          <p:nvPr/>
+        </p:nvPicPr>
+        <p:blipFill>
+          <a:blip r:embed="rId2">
+            <a:extLst>
+              <a:ext uri="{28A0092B-C50C-407E-A947-70E740481C1C}">
+                <a14:useLocalDpi xmlns:a14="http://schemas.microsoft.com/office/drawing/2010/main" val="0"/>
+              </a:ext>
+            </a:extLst>
+          </a:blip>
+          <a:stretch>
+            <a:fillRect/>
+          </a:stretch>
+        </p:blipFill>
+        <p:spPr>
+          <a:xfrm>
+            <a:off x="1760374" y="2166775"/>
+            <a:ext cx="8214048" cy="4620402"/>
+          </a:xfrm>
+          <a:prstGeom prst="rect">
+            <a:avLst/>
+          </a:prstGeom>
+          <a:scene3d>
+            <a:camera prst="orthographicFront">
+              <a:rot lat="1563874" lon="17653906" rev="18941336"/>
+            </a:camera>
+            <a:lightRig rig="threePt" dir="t"/>
+          </a:scene3d>
+        </p:spPr>
+      </p:pic>
+      <p:sp>
+        <p:nvSpPr>
+          <p:cNvPr id="4" name="Cube 3">
+            <a:extLst>
+              <a:ext uri="{FF2B5EF4-FFF2-40B4-BE49-F238E27FC236}">
+                <a16:creationId xmlns:a16="http://schemas.microsoft.com/office/drawing/2014/main" id="{7FAEBB27-DC05-4183-AD64-C6FCBA694464}"/>
               </a:ext>
             </a:extLst>
           </p:cNvPr>
@@ -7689,12 +7676,357 @@
         </p:nvSpPr>
         <p:spPr>
           <a:xfrm>
-            <a:off x="4360415" y="-1120260"/>
-            <a:ext cx="1164428" cy="523220"/>
+            <a:off x="3722914" y="3301380"/>
+            <a:ext cx="3926630" cy="1907172"/>
+          </a:xfrm>
+          <a:prstGeom prst="cube">
+            <a:avLst/>
+          </a:prstGeom>
+          <a:solidFill>
+            <a:schemeClr val="bg1">
+              <a:lumMod val="95000"/>
+              <a:alpha val="50000"/>
+            </a:schemeClr>
+          </a:solidFill>
+          <a:ln w="28575">
+            <a:solidFill>
+              <a:schemeClr val="accent1"/>
+            </a:solidFill>
+          </a:ln>
+        </p:spPr>
+        <p:style>
+          <a:lnRef idx="0">
+            <a:scrgbClr r="0" g="0" b="0"/>
+          </a:lnRef>
+          <a:fillRef idx="0">
+            <a:scrgbClr r="0" g="0" b="0"/>
+          </a:fillRef>
+          <a:effectRef idx="0">
+            <a:scrgbClr r="0" g="0" b="0"/>
+          </a:effectRef>
+          <a:fontRef idx="minor">
+            <a:schemeClr val="lt1"/>
+          </a:fontRef>
+        </p:style>
+        <p:txBody>
+          <a:bodyPr rtlCol="0" anchor="ctr"/>
+          <a:lstStyle/>
+          <a:p>
+            <a:pPr algn="ctr"/>
+            <a:r>
+              <a:rPr lang="da-DK" sz="3200" dirty="0">
+                <a:solidFill>
+                  <a:schemeClr val="tx1"/>
+                </a:solidFill>
+              </a:rPr>
+              <a:t>Background </a:t>
+            </a:r>
+            <a:r>
+              <a:rPr lang="da-DK" sz="3200" dirty="0" err="1">
+                <a:solidFill>
+                  <a:schemeClr val="tx1"/>
+                </a:solidFill>
+              </a:rPr>
+              <a:t>Subtraction</a:t>
+            </a:r>
+            <a:endParaRPr lang="en-US" sz="3200" dirty="0">
+              <a:solidFill>
+                <a:schemeClr val="tx1"/>
+              </a:solidFill>
+            </a:endParaRPr>
+          </a:p>
+        </p:txBody>
+      </p:sp>
+      <p:sp>
+        <p:nvSpPr>
+          <p:cNvPr id="27" name="Rectangle 26">
+            <a:extLst>
+              <a:ext uri="{FF2B5EF4-FFF2-40B4-BE49-F238E27FC236}">
+                <a16:creationId xmlns:a16="http://schemas.microsoft.com/office/drawing/2014/main" id="{299D1E84-B192-427B-BFEC-04EE838014D3}"/>
+              </a:ext>
+            </a:extLst>
+          </p:cNvPr>
+          <p:cNvSpPr/>
+          <p:nvPr/>
+        </p:nvSpPr>
+        <p:spPr>
+          <a:xfrm>
+            <a:off x="7194884" y="5449325"/>
+            <a:ext cx="2276469" cy="584775"/>
           </a:xfrm>
           <a:prstGeom prst="rect">
             <a:avLst/>
           </a:prstGeom>
+          <a:noFill/>
+        </p:spPr>
+        <p:txBody>
+          <a:bodyPr wrap="square" lIns="91440" tIns="45720" rIns="91440" bIns="45720">
+            <a:spAutoFit/>
+          </a:bodyPr>
+          <a:lstStyle/>
+          <a:p>
+            <a:pPr algn="ctr"/>
+            <a:r>
+              <a:rPr lang="en-US" sz="3200" cap="none" spc="0" dirty="0">
+                <a:ln w="0"/>
+                <a:solidFill>
+                  <a:schemeClr val="tx1"/>
+                </a:solidFill>
+                <a:effectLst>
+                  <a:outerShdw blurRad="38100" dist="19050" dir="2700000" algn="tl" rotWithShape="0">
+                    <a:schemeClr val="dk1">
+                      <a:alpha val="40000"/>
+                    </a:schemeClr>
+                  </a:outerShdw>
+                </a:effectLst>
+              </a:rPr>
+              <a:t>Input image</a:t>
+            </a:r>
+          </a:p>
+        </p:txBody>
+      </p:sp>
+      <p:sp>
+        <p:nvSpPr>
+          <p:cNvPr id="43" name="Arrow: Up 42">
+            <a:extLst>
+              <a:ext uri="{FF2B5EF4-FFF2-40B4-BE49-F238E27FC236}">
+                <a16:creationId xmlns:a16="http://schemas.microsoft.com/office/drawing/2014/main" id="{6079E12C-1498-4DA1-AC39-A86808CD253E}"/>
+              </a:ext>
+            </a:extLst>
+          </p:cNvPr>
+          <p:cNvSpPr/>
+          <p:nvPr/>
+        </p:nvSpPr>
+        <p:spPr>
+          <a:xfrm>
+            <a:off x="4609399" y="3116540"/>
+            <a:ext cx="298580" cy="532116"/>
+          </a:xfrm>
+          <a:prstGeom prst="upArrow">
+            <a:avLst/>
+          </a:prstGeom>
+        </p:spPr>
+        <p:style>
+          <a:lnRef idx="2">
+            <a:schemeClr val="accent1">
+              <a:shade val="50000"/>
+            </a:schemeClr>
+          </a:lnRef>
+          <a:fillRef idx="1">
+            <a:schemeClr val="accent1"/>
+          </a:fillRef>
+          <a:effectRef idx="0">
+            <a:schemeClr val="accent1"/>
+          </a:effectRef>
+          <a:fontRef idx="minor">
+            <a:schemeClr val="lt1"/>
+          </a:fontRef>
+        </p:style>
+        <p:txBody>
+          <a:bodyPr rtlCol="0" anchor="ctr"/>
+          <a:lstStyle/>
+          <a:p>
+            <a:pPr algn="ctr"/>
+            <a:endParaRPr lang="en-US"/>
+          </a:p>
+        </p:txBody>
+      </p:sp>
+      <p:sp>
+        <p:nvSpPr>
+          <p:cNvPr id="48" name="Rectangle 47">
+            <a:extLst>
+              <a:ext uri="{FF2B5EF4-FFF2-40B4-BE49-F238E27FC236}">
+                <a16:creationId xmlns:a16="http://schemas.microsoft.com/office/drawing/2014/main" id="{50FFF7A7-1CDF-4975-9F43-E983BE88A542}"/>
+              </a:ext>
+            </a:extLst>
+          </p:cNvPr>
+          <p:cNvSpPr/>
+          <p:nvPr/>
+        </p:nvSpPr>
+        <p:spPr>
+          <a:xfrm>
+            <a:off x="4405662" y="2836450"/>
+            <a:ext cx="706053" cy="344022"/>
+          </a:xfrm>
+          <a:prstGeom prst="rect">
+            <a:avLst/>
+          </a:prstGeom>
+          <a:solidFill>
+            <a:srgbClr val="00FF00">
+              <a:alpha val="50000"/>
+            </a:srgbClr>
+          </a:solidFill>
+          <a:ln>
+            <a:solidFill>
+              <a:srgbClr val="007D00"/>
+            </a:solidFill>
+          </a:ln>
+          <a:scene3d>
+            <a:camera prst="orthographicFront">
+              <a:rot lat="1566000" lon="17652000" rev="18942000"/>
+            </a:camera>
+            <a:lightRig rig="threePt" dir="t"/>
+          </a:scene3d>
+        </p:spPr>
+        <p:style>
+          <a:lnRef idx="2">
+            <a:schemeClr val="accent1">
+              <a:shade val="50000"/>
+            </a:schemeClr>
+          </a:lnRef>
+          <a:fillRef idx="1">
+            <a:schemeClr val="accent1"/>
+          </a:fillRef>
+          <a:effectRef idx="0">
+            <a:schemeClr val="accent1"/>
+          </a:effectRef>
+          <a:fontRef idx="minor">
+            <a:schemeClr val="lt1"/>
+          </a:fontRef>
+        </p:style>
+        <p:txBody>
+          <a:bodyPr rtlCol="0" anchor="ctr"/>
+          <a:lstStyle/>
+          <a:p>
+            <a:pPr algn="ctr"/>
+            <a:endParaRPr lang="en-US"/>
+          </a:p>
+        </p:txBody>
+      </p:sp>
+      <p:sp>
+        <p:nvSpPr>
+          <p:cNvPr id="49" name="Cube 48">
+            <a:extLst>
+              <a:ext uri="{FF2B5EF4-FFF2-40B4-BE49-F238E27FC236}">
+                <a16:creationId xmlns:a16="http://schemas.microsoft.com/office/drawing/2014/main" id="{87C54F04-D32F-4DDF-B9B4-12A94B0C306F}"/>
+              </a:ext>
+            </a:extLst>
+          </p:cNvPr>
+          <p:cNvSpPr/>
+          <p:nvPr/>
+        </p:nvSpPr>
+        <p:spPr>
+          <a:xfrm>
+            <a:off x="4110598" y="1217594"/>
+            <a:ext cx="1348674" cy="1414918"/>
+          </a:xfrm>
+          <a:prstGeom prst="cube">
+            <a:avLst/>
+          </a:prstGeom>
+          <a:solidFill>
+            <a:schemeClr val="bg1">
+              <a:lumMod val="95000"/>
+              <a:alpha val="50000"/>
+            </a:schemeClr>
+          </a:solidFill>
+          <a:ln w="28575">
+            <a:solidFill>
+              <a:schemeClr val="accent1"/>
+            </a:solidFill>
+          </a:ln>
+        </p:spPr>
+        <p:style>
+          <a:lnRef idx="0">
+            <a:scrgbClr r="0" g="0" b="0"/>
+          </a:lnRef>
+          <a:fillRef idx="0">
+            <a:scrgbClr r="0" g="0" b="0"/>
+          </a:fillRef>
+          <a:effectRef idx="0">
+            <a:scrgbClr r="0" g="0" b="0"/>
+          </a:effectRef>
+          <a:fontRef idx="minor">
+            <a:schemeClr val="lt1"/>
+          </a:fontRef>
+        </p:style>
+        <p:txBody>
+          <a:bodyPr rtlCol="0" anchor="ctr"/>
+          <a:lstStyle/>
+          <a:p>
+            <a:pPr algn="ctr"/>
+            <a:r>
+              <a:rPr lang="da-DK" sz="3200" dirty="0">
+                <a:solidFill>
+                  <a:schemeClr val="tx1"/>
+                </a:solidFill>
+              </a:rPr>
+              <a:t>CNN</a:t>
+            </a:r>
+            <a:endParaRPr lang="en-US" sz="3200" dirty="0">
+              <a:solidFill>
+                <a:schemeClr val="tx1"/>
+              </a:solidFill>
+            </a:endParaRPr>
+          </a:p>
+        </p:txBody>
+      </p:sp>
+      <p:sp>
+        <p:nvSpPr>
+          <p:cNvPr id="50" name="Arrow: Up 49">
+            <a:extLst>
+              <a:ext uri="{FF2B5EF4-FFF2-40B4-BE49-F238E27FC236}">
+                <a16:creationId xmlns:a16="http://schemas.microsoft.com/office/drawing/2014/main" id="{9601F83D-3E3E-479C-A6BB-252DD762EDC3}"/>
+              </a:ext>
+            </a:extLst>
+          </p:cNvPr>
+          <p:cNvSpPr/>
+          <p:nvPr/>
+        </p:nvSpPr>
+        <p:spPr>
+          <a:xfrm>
+            <a:off x="4604958" y="2616868"/>
+            <a:ext cx="298580" cy="351325"/>
+          </a:xfrm>
+          <a:prstGeom prst="upArrow">
+            <a:avLst/>
+          </a:prstGeom>
+        </p:spPr>
+        <p:style>
+          <a:lnRef idx="2">
+            <a:schemeClr val="accent1">
+              <a:shade val="50000"/>
+            </a:schemeClr>
+          </a:lnRef>
+          <a:fillRef idx="1">
+            <a:schemeClr val="accent1"/>
+          </a:fillRef>
+          <a:effectRef idx="0">
+            <a:schemeClr val="accent1"/>
+          </a:effectRef>
+          <a:fontRef idx="minor">
+            <a:schemeClr val="lt1"/>
+          </a:fontRef>
+        </p:style>
+        <p:txBody>
+          <a:bodyPr rtlCol="0" anchor="ctr"/>
+          <a:lstStyle/>
+          <a:p>
+            <a:pPr algn="ctr"/>
+            <a:endParaRPr lang="en-US"/>
+          </a:p>
+        </p:txBody>
+      </p:sp>
+      <p:sp>
+        <p:nvSpPr>
+          <p:cNvPr id="51" name="Rectangle 50">
+            <a:extLst>
+              <a:ext uri="{FF2B5EF4-FFF2-40B4-BE49-F238E27FC236}">
+                <a16:creationId xmlns:a16="http://schemas.microsoft.com/office/drawing/2014/main" id="{AA6306FF-E8F6-4CE5-A56F-536E1ABA2F42}"/>
+              </a:ext>
+            </a:extLst>
+          </p:cNvPr>
+          <p:cNvSpPr/>
+          <p:nvPr/>
+        </p:nvSpPr>
+        <p:spPr>
+          <a:xfrm>
+            <a:off x="4172034" y="361140"/>
+            <a:ext cx="1164428" cy="584775"/>
+          </a:xfrm>
+          <a:prstGeom prst="rect">
+            <a:avLst/>
+          </a:prstGeom>
+          <a:ln w="28575"/>
         </p:spPr>
         <p:style>
           <a:lnRef idx="2">
@@ -7718,30 +8050,29 @@
           <a:p>
             <a:pPr algn="ctr"/>
             <a:r>
-              <a:rPr lang="en-US" sz="1400" b="0" cap="none" spc="0" dirty="0">
+              <a:rPr lang="da-DK" sz="3200" b="0" cap="none" spc="0" dirty="0">
                 <a:ln w="0"/>
                 <a:solidFill>
                   <a:schemeClr val="tx1"/>
                 </a:solidFill>
-                <a:effectLst>
-                  <a:outerShdw blurRad="38100" dist="19050" dir="2700000" algn="tl" rotWithShape="0">
-                    <a:schemeClr val="dk1">
-                      <a:alpha val="40000"/>
-                    </a:schemeClr>
-                  </a:outerShdw>
-                </a:effectLst>
               </a:rPr>
-              <a:t>Classification loss</a:t>
-            </a:r>
-          </a:p>
-        </p:txBody>
-      </p:sp>
-      <p:sp>
-        <p:nvSpPr>
-          <p:cNvPr id="47" name="Rectangle 46">
-            <a:extLst>
-              <a:ext uri="{FF2B5EF4-FFF2-40B4-BE49-F238E27FC236}">
-                <a16:creationId xmlns:a16="http://schemas.microsoft.com/office/drawing/2014/main" id="{2150127A-E926-4CDB-BB2C-B37761D3A1A3}"/>
+              <a:t>Label</a:t>
+            </a:r>
+            <a:endParaRPr lang="en-US" sz="3200" b="0" cap="none" spc="0" dirty="0">
+              <a:ln w="0"/>
+              <a:solidFill>
+                <a:schemeClr val="tx1"/>
+              </a:solidFill>
+            </a:endParaRPr>
+          </a:p>
+        </p:txBody>
+      </p:sp>
+      <p:sp>
+        <p:nvSpPr>
+          <p:cNvPr id="52" name="Arrow: Up 51">
+            <a:extLst>
+              <a:ext uri="{FF2B5EF4-FFF2-40B4-BE49-F238E27FC236}">
+                <a16:creationId xmlns:a16="http://schemas.microsoft.com/office/drawing/2014/main" id="{47862413-EF05-48EC-B873-8ADC41BD0522}"/>
               </a:ext>
             </a:extLst>
           </p:cNvPr>
@@ -7750,12 +8081,59 @@
         </p:nvSpPr>
         <p:spPr>
           <a:xfrm>
-            <a:off x="5572638" y="-1550757"/>
-            <a:ext cx="989459" cy="954107"/>
+            <a:off x="4604958" y="989902"/>
+            <a:ext cx="298580" cy="351325"/>
+          </a:xfrm>
+          <a:prstGeom prst="upArrow">
+            <a:avLst/>
+          </a:prstGeom>
+        </p:spPr>
+        <p:style>
+          <a:lnRef idx="2">
+            <a:schemeClr val="accent1">
+              <a:shade val="50000"/>
+            </a:schemeClr>
+          </a:lnRef>
+          <a:fillRef idx="1">
+            <a:schemeClr val="accent1"/>
+          </a:fillRef>
+          <a:effectRef idx="0">
+            <a:schemeClr val="accent1"/>
+          </a:effectRef>
+          <a:fontRef idx="minor">
+            <a:schemeClr val="lt1"/>
+          </a:fontRef>
+        </p:style>
+        <p:txBody>
+          <a:bodyPr rtlCol="0" anchor="ctr"/>
+          <a:lstStyle/>
+          <a:p>
+            <a:pPr algn="ctr"/>
+            <a:endParaRPr lang="en-US"/>
+          </a:p>
+        </p:txBody>
+      </p:sp>
+      <p:sp>
+        <p:nvSpPr>
+          <p:cNvPr id="53" name="Rectangle 52">
+            <a:extLst>
+              <a:ext uri="{FF2B5EF4-FFF2-40B4-BE49-F238E27FC236}">
+                <a16:creationId xmlns:a16="http://schemas.microsoft.com/office/drawing/2014/main" id="{A9CB1F27-A6CB-42B5-8B6E-4A454F6B5DEF}"/>
+              </a:ext>
+            </a:extLst>
+          </p:cNvPr>
+          <p:cNvSpPr/>
+          <p:nvPr/>
+        </p:nvSpPr>
+        <p:spPr>
+          <a:xfrm>
+            <a:off x="5459272" y="361139"/>
+            <a:ext cx="2478505" cy="584775"/>
           </a:xfrm>
           <a:prstGeom prst="rect">
             <a:avLst/>
           </a:prstGeom>
+          <a:ln w="28575"/>
         </p:spPr>
         <p:style>
           <a:lnRef idx="2">
@@ -7779,87 +8157,69 @@
           <a:p>
             <a:pPr algn="ctr"/>
             <a:r>
-              <a:rPr lang="en-US" sz="1400" b="0" cap="none" spc="0" dirty="0">
+              <a:rPr lang="en-US" sz="3200" cap="none" spc="0" dirty="0">
                 <a:ln w="0"/>
                 <a:solidFill>
                   <a:schemeClr val="tx1"/>
                 </a:solidFill>
-                <a:effectLst>
-                  <a:outerShdw blurRad="38100" dist="19050" dir="2700000" algn="tl" rotWithShape="0">
-                    <a:schemeClr val="dk1">
-                      <a:alpha val="40000"/>
-                    </a:schemeClr>
-                  </a:outerShdw>
-                </a:effectLst>
               </a:rPr>
-              <a:t>Bounding</a:t>
-            </a:r>
-          </a:p>
+              <a:t>Bounding box</a:t>
+            </a:r>
+          </a:p>
+        </p:txBody>
+      </p:sp>
+      <p:sp>
+        <p:nvSpPr>
+          <p:cNvPr id="54" name="Arrow: Up 53">
+            <a:extLst>
+              <a:ext uri="{FF2B5EF4-FFF2-40B4-BE49-F238E27FC236}">
+                <a16:creationId xmlns:a16="http://schemas.microsoft.com/office/drawing/2014/main" id="{6F5862AA-2BC3-4217-8782-9822ED9FB862}"/>
+              </a:ext>
+            </a:extLst>
+          </p:cNvPr>
+          <p:cNvSpPr/>
+          <p:nvPr/>
+        </p:nvSpPr>
+        <p:spPr>
+          <a:xfrm>
+            <a:off x="6499598" y="989902"/>
+            <a:ext cx="298580" cy="2658754"/>
+          </a:xfrm>
+          <a:prstGeom prst="upArrow">
+            <a:avLst/>
+          </a:prstGeom>
+        </p:spPr>
+        <p:style>
+          <a:lnRef idx="2">
+            <a:schemeClr val="accent1">
+              <a:shade val="50000"/>
+            </a:schemeClr>
+          </a:lnRef>
+          <a:fillRef idx="1">
+            <a:schemeClr val="accent1"/>
+          </a:fillRef>
+          <a:effectRef idx="0">
+            <a:schemeClr val="accent1"/>
+          </a:effectRef>
+          <a:fontRef idx="minor">
+            <a:schemeClr val="lt1"/>
+          </a:fontRef>
+        </p:style>
+        <p:txBody>
+          <a:bodyPr rtlCol="0" anchor="ctr"/>
+          <a:lstStyle/>
           <a:p>
             <a:pPr algn="ctr"/>
-            <a:r>
-              <a:rPr lang="en-US" sz="1400" b="0" cap="none" spc="0" dirty="0">
-                <a:ln w="0"/>
-                <a:solidFill>
-                  <a:schemeClr val="tx1"/>
-                </a:solidFill>
-                <a:effectLst>
-                  <a:outerShdw blurRad="38100" dist="19050" dir="2700000" algn="tl" rotWithShape="0">
-                    <a:schemeClr val="dk1">
-                      <a:alpha val="40000"/>
-                    </a:schemeClr>
-                  </a:outerShdw>
-                </a:effectLst>
-              </a:rPr>
-              <a:t>Box</a:t>
-            </a:r>
-          </a:p>
-          <a:p>
-            <a:pPr algn="ctr"/>
-            <a:r>
-              <a:rPr lang="en-US" sz="1400" b="0" cap="none" spc="0" dirty="0">
-                <a:ln w="0"/>
-                <a:solidFill>
-                  <a:schemeClr val="tx1"/>
-                </a:solidFill>
-                <a:effectLst>
-                  <a:outerShdw blurRad="38100" dist="19050" dir="2700000" algn="tl" rotWithShape="0">
-                    <a:schemeClr val="dk1">
-                      <a:alpha val="40000"/>
-                    </a:schemeClr>
-                  </a:outerShdw>
-                </a:effectLst>
-              </a:rPr>
-              <a:t>Regression</a:t>
-            </a:r>
-          </a:p>
-          <a:p>
-            <a:pPr algn="ctr"/>
-            <a:r>
-              <a:rPr lang="en-US" sz="1400" b="0" cap="none" spc="0" dirty="0">
-                <a:ln w="0"/>
-                <a:solidFill>
-                  <a:schemeClr val="tx1"/>
-                </a:solidFill>
-                <a:effectLst>
-                  <a:outerShdw blurRad="38100" dist="19050" dir="2700000" algn="tl" rotWithShape="0">
-                    <a:schemeClr val="dk1">
-                      <a:alpha val="40000"/>
-                    </a:schemeClr>
-                  </a:outerShdw>
-                </a:effectLst>
-              </a:rPr>
-              <a:t>loss</a:t>
-            </a:r>
-          </a:p>
-        </p:txBody>
-      </p:sp>
-      <p:sp>
-        <p:nvSpPr>
-          <p:cNvPr id="27" name="Rectangle 26">
-            <a:extLst>
-              <a:ext uri="{FF2B5EF4-FFF2-40B4-BE49-F238E27FC236}">
-                <a16:creationId xmlns:a16="http://schemas.microsoft.com/office/drawing/2014/main" id="{299D1E84-B192-427B-BFEC-04EE838014D3}"/>
+            <a:endParaRPr lang="en-US"/>
+          </a:p>
+        </p:txBody>
+      </p:sp>
+      <p:sp>
+        <p:nvSpPr>
+          <p:cNvPr id="55" name="Rectangle 54">
+            <a:extLst>
+              <a:ext uri="{FF2B5EF4-FFF2-40B4-BE49-F238E27FC236}">
+                <a16:creationId xmlns:a16="http://schemas.microsoft.com/office/drawing/2014/main" id="{AC0BCD69-CAB2-4A90-9BD6-9CC8C7B56D46}"/>
               </a:ext>
             </a:extLst>
           </p:cNvPr>
@@ -7868,8 +8228,8 @@
         </p:nvSpPr>
         <p:spPr>
           <a:xfrm>
-            <a:off x="6878727" y="6457890"/>
-            <a:ext cx="2857321" cy="400110"/>
+            <a:off x="2622299" y="2716606"/>
+            <a:ext cx="1227629" cy="584775"/>
           </a:xfrm>
           <a:prstGeom prst="rect">
             <a:avLst/>
@@ -7884,28 +8244,70 @@
           <a:p>
             <a:pPr algn="ctr"/>
             <a:r>
-              <a:rPr lang="en-US" sz="2000" cap="none" spc="0" dirty="0">
+              <a:rPr lang="da-DK" sz="3200" dirty="0">
                 <a:ln w="0"/>
-                <a:solidFill>
-                  <a:schemeClr val="tx1"/>
-                </a:solidFill>
-                <a:effectLst>
-                  <a:outerShdw blurRad="38100" dist="19050" dir="2700000" algn="tl" rotWithShape="0">
-                    <a:schemeClr val="dk1">
-                      <a:alpha val="40000"/>
-                    </a:schemeClr>
-                  </a:outerShdw>
-                </a:effectLst>
               </a:rPr>
-              <a:t>Input image</a:t>
-            </a:r>
-          </a:p>
-        </p:txBody>
-      </p:sp>
+              <a:t>R</a:t>
+            </a:r>
+            <a:r>
+              <a:rPr lang="en-US" sz="3200" dirty="0" err="1">
+                <a:ln w="0"/>
+              </a:rPr>
+              <a:t>oI</a:t>
+            </a:r>
+            <a:endParaRPr lang="en-US" sz="3200" dirty="0">
+              <a:ln w="0"/>
+            </a:endParaRPr>
+          </a:p>
+        </p:txBody>
+      </p:sp>
+      <p:cxnSp>
+        <p:nvCxnSpPr>
+          <p:cNvPr id="56" name="Straight Arrow Connector 55">
+            <a:extLst>
+              <a:ext uri="{FF2B5EF4-FFF2-40B4-BE49-F238E27FC236}">
+                <a16:creationId xmlns:a16="http://schemas.microsoft.com/office/drawing/2014/main" id="{15372F05-E569-4B77-B3E5-1FAADED4282F}"/>
+              </a:ext>
+            </a:extLst>
+          </p:cNvPr>
+          <p:cNvCxnSpPr>
+            <a:cxnSpLocks/>
+            <a:stCxn id="55" idx="3"/>
+            <a:endCxn id="48" idx="1"/>
+          </p:cNvCxnSpPr>
+          <p:nvPr/>
+        </p:nvCxnSpPr>
+        <p:spPr>
+          <a:xfrm flipV="1">
+            <a:off x="3849928" y="3008461"/>
+            <a:ext cx="555734" cy="533"/>
+          </a:xfrm>
+          <a:prstGeom prst="straightConnector1">
+            <a:avLst/>
+          </a:prstGeom>
+          <a:ln>
+            <a:tailEnd type="triangle"/>
+          </a:ln>
+        </p:spPr>
+        <p:style>
+          <a:lnRef idx="3">
+            <a:schemeClr val="accent2"/>
+          </a:lnRef>
+          <a:fillRef idx="0">
+            <a:schemeClr val="accent2"/>
+          </a:fillRef>
+          <a:effectRef idx="2">
+            <a:schemeClr val="accent2"/>
+          </a:effectRef>
+          <a:fontRef idx="minor">
+            <a:schemeClr val="tx1"/>
+          </a:fontRef>
+        </p:style>
+      </p:cxnSp>
     </p:spTree>
     <p:extLst>
       <p:ext uri="{BB962C8B-B14F-4D97-AF65-F5344CB8AC3E}">
-        <p14:creationId xmlns:p14="http://schemas.microsoft.com/office/powerpoint/2010/main" val="1207999381"/>
+        <p14:creationId xmlns:p14="http://schemas.microsoft.com/office/powerpoint/2010/main" val="1457561896"/>
       </p:ext>
     </p:extLst>
   </p:cSld>
